--- a/Challenge 0/Topic4 SmartQuestions/Topic4_Challenge0_Presentation.pptx
+++ b/Challenge 0/Topic4 SmartQuestions/Topic4_Challenge0_Presentation.pptx
@@ -1,118 +1,26 @@
 
 <file path=ppt/presentation.xml><?xml version="1.0" encoding="utf-8"?>
-<p:presentation xmlns:a="http://schemas.openxmlformats.org/drawingml/2006/main" xmlns:r="http://schemas.openxmlformats.org/officeDocument/2006/relationships" xmlns:p="http://schemas.openxmlformats.org/presentationml/2006/main" saveSubsetFonts="1" embedTrueTypeFonts="true">
+<p:presentation xmlns:a="http://schemas.openxmlformats.org/drawingml/2006/main" xmlns:r="http://schemas.openxmlformats.org/officeDocument/2006/relationships" xmlns:p="http://schemas.openxmlformats.org/presentationml/2006/main" embedTrueTypeFonts="1" saveSubsetFonts="1">
   <p:sldMasterIdLst>
     <p:sldMasterId id="2147483648" r:id="rId1"/>
   </p:sldMasterIdLst>
   <p:sldIdLst>
-    <p:sldId id="256" r:id="rId31"/>
-    <p:sldId id="257" r:id="rId32"/>
-    <p:sldId id="258" r:id="rId33"/>
-    <p:sldId id="259" r:id="rId34"/>
-    <p:sldId id="260" r:id="rId35"/>
+    <p:sldId id="256" r:id="rId2"/>
+    <p:sldId id="257" r:id="rId3"/>
+    <p:sldId id="258" r:id="rId4"/>
+    <p:sldId id="259" r:id="rId5"/>
+    <p:sldId id="260" r:id="rId6"/>
   </p:sldIdLst>
   <p:sldSz cx="18288000" cy="10287000"/>
   <p:notesSz cx="6858000" cy="9144000"/>
   <p:embeddedFontLst>
     <p:embeddedFont>
-      <p:font typeface="Arimo" charset="1" panose="020B0604020202020204"/>
-      <p:regular r:id="rId6"/>
-    </p:embeddedFont>
-    <p:embeddedFont>
-      <p:font typeface="Arimo Bold" charset="1" panose="020B0704020202020204"/>
+      <p:font typeface="TT Norms" panose="020B0604020202020204" charset="0"/>
       <p:regular r:id="rId7"/>
     </p:embeddedFont>
     <p:embeddedFont>
-      <p:font typeface="Arimo Italics" charset="1" panose="020B0604020202090204"/>
+      <p:font typeface="TT Norms Bold" panose="020B0604020202020204" charset="0"/>
       <p:regular r:id="rId8"/>
-    </p:embeddedFont>
-    <p:embeddedFont>
-      <p:font typeface="Arimo Bold Italics" charset="1" panose="020B0704020202090204"/>
-      <p:regular r:id="rId9"/>
-    </p:embeddedFont>
-    <p:embeddedFont>
-      <p:font typeface="League Spartan" charset="1" panose="00000800000000000000"/>
-      <p:regular r:id="rId10"/>
-    </p:embeddedFont>
-    <p:embeddedFont>
-      <p:font typeface="Josefin Sans" charset="1" panose="00000500000000000000"/>
-      <p:regular r:id="rId11"/>
-    </p:embeddedFont>
-    <p:embeddedFont>
-      <p:font typeface="Josefin Sans Bold" charset="1" panose="00000800000000000000"/>
-      <p:regular r:id="rId12"/>
-    </p:embeddedFont>
-    <p:embeddedFont>
-      <p:font typeface="Josefin Sans Italics" charset="1" panose="00000500000000000000"/>
-      <p:regular r:id="rId13"/>
-    </p:embeddedFont>
-    <p:embeddedFont>
-      <p:font typeface="Josefin Sans Bold Italics" charset="1" panose="00000800000000000000"/>
-      <p:regular r:id="rId14"/>
-    </p:embeddedFont>
-    <p:embeddedFont>
-      <p:font typeface="Josefin Sans Thin" charset="1" panose="00000300000000000000"/>
-      <p:regular r:id="rId15"/>
-    </p:embeddedFont>
-    <p:embeddedFont>
-      <p:font typeface="Josefin Sans Thin Italics" charset="1" panose="00000300000000000000"/>
-      <p:regular r:id="rId16"/>
-    </p:embeddedFont>
-    <p:embeddedFont>
-      <p:font typeface="Josefin Sans Light" charset="1" panose="00000400000000000000"/>
-      <p:regular r:id="rId17"/>
-    </p:embeddedFont>
-    <p:embeddedFont>
-      <p:font typeface="Josefin Sans Light Italics" charset="1" panose="00000400000000000000"/>
-      <p:regular r:id="rId18"/>
-    </p:embeddedFont>
-    <p:embeddedFont>
-      <p:font typeface="Josefin Sans Semi-Bold" charset="1" panose="00000700000000000000"/>
-      <p:regular r:id="rId19"/>
-    </p:embeddedFont>
-    <p:embeddedFont>
-      <p:font typeface="Josefin Sans Semi-Bold Italics" charset="1" panose="00000700000000000000"/>
-      <p:regular r:id="rId20"/>
-    </p:embeddedFont>
-    <p:embeddedFont>
-      <p:font typeface="TT Norms" charset="1" panose="02000503030000020003"/>
-      <p:regular r:id="rId21"/>
-    </p:embeddedFont>
-    <p:embeddedFont>
-      <p:font typeface="TT Norms Bold" charset="1" panose="02000803030000020004"/>
-      <p:regular r:id="rId22"/>
-    </p:embeddedFont>
-    <p:embeddedFont>
-      <p:font typeface="TT Norms Italics" charset="1" panose="02000503030000090003"/>
-      <p:regular r:id="rId23"/>
-    </p:embeddedFont>
-    <p:embeddedFont>
-      <p:font typeface="TT Norms Bold Italics" charset="1" panose="02000803020000090004"/>
-      <p:regular r:id="rId24"/>
-    </p:embeddedFont>
-    <p:embeddedFont>
-      <p:font typeface="TT Norms Light" charset="1" panose="02000503020000020003"/>
-      <p:regular r:id="rId25"/>
-    </p:embeddedFont>
-    <p:embeddedFont>
-      <p:font typeface="TT Norms Light Italics" charset="1" panose="02000503020000090003"/>
-      <p:regular r:id="rId26"/>
-    </p:embeddedFont>
-    <p:embeddedFont>
-      <p:font typeface="TT Norms Ultra-Bold" charset="1" panose="02000503040000020004"/>
-      <p:regular r:id="rId27"/>
-    </p:embeddedFont>
-    <p:embeddedFont>
-      <p:font typeface="TT Norms Ultra-Bold Italics" charset="1" panose="02000503020000090004"/>
-      <p:regular r:id="rId28"/>
-    </p:embeddedFont>
-    <p:embeddedFont>
-      <p:font typeface="TT Norms Heavy" charset="1" panose="02000503050000020004"/>
-      <p:regular r:id="rId29"/>
-    </p:embeddedFont>
-    <p:embeddedFont>
-      <p:font typeface="TT Norms Heavy Italics" charset="1" panose="02000503020000090004"/>
-      <p:regular r:id="rId30"/>
     </p:embeddedFont>
   </p:embeddedFontLst>
   <p:defaultTextStyle>
@@ -210,7 +118,52 @@
       </a:defRPr>
     </a:lvl9pPr>
   </p:defaultTextStyle>
+  <p:extLst>
+    <p:ext uri="{EFAFB233-063F-42B5-8137-9DF3F51BA10A}">
+      <p15:sldGuideLst xmlns:p15="http://schemas.microsoft.com/office/powerpoint/2012/main">
+        <p15:guide id="1" orient="horz" pos="2160">
+          <p15:clr>
+            <a:srgbClr val="A4A3A4"/>
+          </p15:clr>
+        </p15:guide>
+        <p15:guide id="2" pos="2880">
+          <p15:clr>
+            <a:srgbClr val="A4A3A4"/>
+          </p15:clr>
+        </p15:guide>
+      </p15:sldGuideLst>
+    </p:ext>
+  </p:extLst>
 </p:presentation>
+</file>
+
+<file path=ppt/changesInfos/changesInfo1.xml><?xml version="1.0" encoding="utf-8"?>
+<pc:chgInfo xmlns:a="http://schemas.openxmlformats.org/drawingml/2006/main" xmlns:r="http://schemas.openxmlformats.org/officeDocument/2006/relationships" xmlns:ac="http://schemas.microsoft.com/office/drawing/2013/main/command" xmlns:pc="http://schemas.microsoft.com/office/powerpoint/2013/main/command">
+  <pc:docChgLst>
+    <pc:chgData name="Thanh Trịnh" userId="cd0e9ecde8d843db" providerId="LiveId" clId="{A9491614-1150-401D-95B1-0FDE870940ED}"/>
+    <pc:docChg chg="modSld">
+      <pc:chgData name="Thanh Trịnh" userId="cd0e9ecde8d843db" providerId="LiveId" clId="{A9491614-1150-401D-95B1-0FDE870940ED}" dt="2024-01-24T13:46:45.704" v="0" actId="20577"/>
+      <pc:docMkLst>
+        <pc:docMk/>
+      </pc:docMkLst>
+      <pc:sldChg chg="modSp mod">
+        <pc:chgData name="Thanh Trịnh" userId="cd0e9ecde8d843db" providerId="LiveId" clId="{A9491614-1150-401D-95B1-0FDE870940ED}" dt="2024-01-24T13:46:45.704" v="0" actId="20577"/>
+        <pc:sldMkLst>
+          <pc:docMk/>
+          <pc:sldMk cId="0" sldId="258"/>
+        </pc:sldMkLst>
+        <pc:spChg chg="mod">
+          <ac:chgData name="Thanh Trịnh" userId="cd0e9ecde8d843db" providerId="LiveId" clId="{A9491614-1150-401D-95B1-0FDE870940ED}" dt="2024-01-24T13:46:45.704" v="0" actId="20577"/>
+          <ac:spMkLst>
+            <pc:docMk/>
+            <pc:sldMk cId="0" sldId="258"/>
+            <ac:spMk id="6" creationId="{00000000-0000-0000-0000-000000000000}"/>
+          </ac:spMkLst>
+        </pc:spChg>
+      </pc:sldChg>
+    </pc:docChg>
+  </pc:docChgLst>
+</pc:chgInfo>
 </file>
 
 <file path=ppt/slideLayouts/slideLayout1.xml><?xml version="1.0" encoding="utf-8"?>
@@ -251,10 +204,9 @@
           <a:lstStyle/>
           <a:p>
             <a:r>
-              <a:rPr lang="en-US" smtClean="0"/>
+              <a:rPr lang="en-US"/>
               <a:t>Click to edit Master title style</a:t>
             </a:r>
-            <a:endParaRPr lang="en-US"/>
           </a:p>
         </p:txBody>
       </p:sp>
@@ -370,10 +322,9 @@
           </a:lstStyle>
           <a:p>
             <a:r>
-              <a:rPr lang="en-US" smtClean="0"/>
+              <a:rPr lang="en-US"/>
               <a:t>Click to edit Master subtitle style</a:t>
             </a:r>
-            <a:endParaRPr lang="en-US"/>
           </a:p>
         </p:txBody>
       </p:sp>
@@ -395,7 +346,7 @@
             <a:fld id="{1D8BD707-D9CF-40AE-B4C6-C98DA3205C09}" type="datetimeFigureOut">
               <a:rPr lang="en-US" smtClean="0"/>
               <a:pPr/>
-              <a:t>8/1/2011</a:t>
+              <a:t>1/24/2024</a:t>
             </a:fld>
             <a:endParaRPr lang="en-US"/>
           </a:p>
@@ -485,10 +436,9 @@
           <a:lstStyle/>
           <a:p>
             <a:r>
-              <a:rPr lang="en-US" smtClean="0"/>
+              <a:rPr lang="en-US"/>
               <a:t>Click to edit Master title style</a:t>
             </a:r>
-            <a:endParaRPr lang="en-US"/>
           </a:p>
         </p:txBody>
       </p:sp>
@@ -509,38 +459,37 @@
           <a:p>
             <a:pPr lvl="0"/>
             <a:r>
-              <a:rPr lang="en-US" smtClean="0"/>
+              <a:rPr lang="en-US"/>
               <a:t>Click to edit Master text styles</a:t>
             </a:r>
           </a:p>
           <a:p>
             <a:pPr lvl="1"/>
             <a:r>
-              <a:rPr lang="en-US" smtClean="0"/>
+              <a:rPr lang="en-US"/>
               <a:t>Second level</a:t>
             </a:r>
           </a:p>
           <a:p>
             <a:pPr lvl="2"/>
             <a:r>
-              <a:rPr lang="en-US" smtClean="0"/>
+              <a:rPr lang="en-US"/>
               <a:t>Third level</a:t>
             </a:r>
           </a:p>
           <a:p>
             <a:pPr lvl="3"/>
             <a:r>
-              <a:rPr lang="en-US" smtClean="0"/>
+              <a:rPr lang="en-US"/>
               <a:t>Fourth level</a:t>
             </a:r>
           </a:p>
           <a:p>
             <a:pPr lvl="4"/>
             <a:r>
-              <a:rPr lang="en-US" smtClean="0"/>
+              <a:rPr lang="en-US"/>
               <a:t>Fifth level</a:t>
             </a:r>
-            <a:endParaRPr lang="en-US"/>
           </a:p>
         </p:txBody>
       </p:sp>
@@ -562,7 +511,7 @@
             <a:fld id="{1D8BD707-D9CF-40AE-B4C6-C98DA3205C09}" type="datetimeFigureOut">
               <a:rPr lang="en-US" smtClean="0"/>
               <a:pPr/>
-              <a:t>8/1/2011</a:t>
+              <a:t>1/24/2024</a:t>
             </a:fld>
             <a:endParaRPr lang="en-US"/>
           </a:p>
@@ -657,10 +606,9 @@
           <a:lstStyle/>
           <a:p>
             <a:r>
-              <a:rPr lang="en-US" smtClean="0"/>
+              <a:rPr lang="en-US"/>
               <a:t>Click to edit Master title style</a:t>
             </a:r>
-            <a:endParaRPr lang="en-US"/>
           </a:p>
         </p:txBody>
       </p:sp>
@@ -686,38 +634,37 @@
           <a:p>
             <a:pPr lvl="0"/>
             <a:r>
-              <a:rPr lang="en-US" smtClean="0"/>
+              <a:rPr lang="en-US"/>
               <a:t>Click to edit Master text styles</a:t>
             </a:r>
           </a:p>
           <a:p>
             <a:pPr lvl="1"/>
             <a:r>
-              <a:rPr lang="en-US" smtClean="0"/>
+              <a:rPr lang="en-US"/>
               <a:t>Second level</a:t>
             </a:r>
           </a:p>
           <a:p>
             <a:pPr lvl="2"/>
             <a:r>
-              <a:rPr lang="en-US" smtClean="0"/>
+              <a:rPr lang="en-US"/>
               <a:t>Third level</a:t>
             </a:r>
           </a:p>
           <a:p>
             <a:pPr lvl="3"/>
             <a:r>
-              <a:rPr lang="en-US" smtClean="0"/>
+              <a:rPr lang="en-US"/>
               <a:t>Fourth level</a:t>
             </a:r>
           </a:p>
           <a:p>
             <a:pPr lvl="4"/>
             <a:r>
-              <a:rPr lang="en-US" smtClean="0"/>
+              <a:rPr lang="en-US"/>
               <a:t>Fifth level</a:t>
             </a:r>
-            <a:endParaRPr lang="en-US"/>
           </a:p>
         </p:txBody>
       </p:sp>
@@ -739,7 +686,7 @@
             <a:fld id="{1D8BD707-D9CF-40AE-B4C6-C98DA3205C09}" type="datetimeFigureOut">
               <a:rPr lang="en-US" smtClean="0"/>
               <a:pPr/>
-              <a:t>8/1/2011</a:t>
+              <a:t>1/24/2024</a:t>
             </a:fld>
             <a:endParaRPr lang="en-US"/>
           </a:p>
@@ -829,10 +776,9 @@
           <a:lstStyle/>
           <a:p>
             <a:r>
-              <a:rPr lang="en-US" smtClean="0"/>
+              <a:rPr lang="en-US"/>
               <a:t>Click to edit Master title style</a:t>
             </a:r>
-            <a:endParaRPr lang="en-US"/>
           </a:p>
         </p:txBody>
       </p:sp>
@@ -853,38 +799,37 @@
           <a:p>
             <a:pPr lvl="0"/>
             <a:r>
-              <a:rPr lang="en-US" smtClean="0"/>
+              <a:rPr lang="en-US"/>
               <a:t>Click to edit Master text styles</a:t>
             </a:r>
           </a:p>
           <a:p>
             <a:pPr lvl="1"/>
             <a:r>
-              <a:rPr lang="en-US" smtClean="0"/>
+              <a:rPr lang="en-US"/>
               <a:t>Second level</a:t>
             </a:r>
           </a:p>
           <a:p>
             <a:pPr lvl="2"/>
             <a:r>
-              <a:rPr lang="en-US" smtClean="0"/>
+              <a:rPr lang="en-US"/>
               <a:t>Third level</a:t>
             </a:r>
           </a:p>
           <a:p>
             <a:pPr lvl="3"/>
             <a:r>
-              <a:rPr lang="en-US" smtClean="0"/>
+              <a:rPr lang="en-US"/>
               <a:t>Fourth level</a:t>
             </a:r>
           </a:p>
           <a:p>
             <a:pPr lvl="4"/>
             <a:r>
-              <a:rPr lang="en-US" smtClean="0"/>
+              <a:rPr lang="en-US"/>
               <a:t>Fifth level</a:t>
             </a:r>
-            <a:endParaRPr lang="en-US"/>
           </a:p>
         </p:txBody>
       </p:sp>
@@ -906,7 +851,7 @@
             <a:fld id="{1D8BD707-D9CF-40AE-B4C6-C98DA3205C09}" type="datetimeFigureOut">
               <a:rPr lang="en-US" smtClean="0"/>
               <a:pPr/>
-              <a:t>8/1/2011</a:t>
+              <a:t>1/24/2024</a:t>
             </a:fld>
             <a:endParaRPr lang="en-US"/>
           </a:p>
@@ -1005,10 +950,9 @@
           </a:lstStyle>
           <a:p>
             <a:r>
-              <a:rPr lang="en-US" smtClean="0"/>
+              <a:rPr lang="en-US"/>
               <a:t>Click to edit Master title style</a:t>
             </a:r>
-            <a:endParaRPr lang="en-US"/>
           </a:p>
         </p:txBody>
       </p:sp>
@@ -1125,7 +1069,7 @@
           <a:p>
             <a:pPr lvl="0"/>
             <a:r>
-              <a:rPr lang="en-US" smtClean="0"/>
+              <a:rPr lang="en-US"/>
               <a:t>Click to edit Master text styles</a:t>
             </a:r>
           </a:p>
@@ -1149,7 +1093,7 @@
             <a:fld id="{1D8BD707-D9CF-40AE-B4C6-C98DA3205C09}" type="datetimeFigureOut">
               <a:rPr lang="en-US" smtClean="0"/>
               <a:pPr/>
-              <a:t>8/1/2011</a:t>
+              <a:t>1/24/2024</a:t>
             </a:fld>
             <a:endParaRPr lang="en-US"/>
           </a:p>
@@ -1239,10 +1183,9 @@
           <a:lstStyle/>
           <a:p>
             <a:r>
-              <a:rPr lang="en-US" smtClean="0"/>
+              <a:rPr lang="en-US"/>
               <a:t>Click to edit Master title style</a:t>
             </a:r>
-            <a:endParaRPr lang="en-US"/>
           </a:p>
         </p:txBody>
       </p:sp>
@@ -1296,38 +1239,37 @@
           <a:p>
             <a:pPr lvl="0"/>
             <a:r>
-              <a:rPr lang="en-US" smtClean="0"/>
+              <a:rPr lang="en-US"/>
               <a:t>Click to edit Master text styles</a:t>
             </a:r>
           </a:p>
           <a:p>
             <a:pPr lvl="1"/>
             <a:r>
-              <a:rPr lang="en-US" smtClean="0"/>
+              <a:rPr lang="en-US"/>
               <a:t>Second level</a:t>
             </a:r>
           </a:p>
           <a:p>
             <a:pPr lvl="2"/>
             <a:r>
-              <a:rPr lang="en-US" smtClean="0"/>
+              <a:rPr lang="en-US"/>
               <a:t>Third level</a:t>
             </a:r>
           </a:p>
           <a:p>
             <a:pPr lvl="3"/>
             <a:r>
-              <a:rPr lang="en-US" smtClean="0"/>
+              <a:rPr lang="en-US"/>
               <a:t>Fourth level</a:t>
             </a:r>
           </a:p>
           <a:p>
             <a:pPr lvl="4"/>
             <a:r>
-              <a:rPr lang="en-US" smtClean="0"/>
+              <a:rPr lang="en-US"/>
               <a:t>Fifth level</a:t>
             </a:r>
-            <a:endParaRPr lang="en-US"/>
           </a:p>
         </p:txBody>
       </p:sp>
@@ -1381,38 +1323,37 @@
           <a:p>
             <a:pPr lvl="0"/>
             <a:r>
-              <a:rPr lang="en-US" smtClean="0"/>
+              <a:rPr lang="en-US"/>
               <a:t>Click to edit Master text styles</a:t>
             </a:r>
           </a:p>
           <a:p>
             <a:pPr lvl="1"/>
             <a:r>
-              <a:rPr lang="en-US" smtClean="0"/>
+              <a:rPr lang="en-US"/>
               <a:t>Second level</a:t>
             </a:r>
           </a:p>
           <a:p>
             <a:pPr lvl="2"/>
             <a:r>
-              <a:rPr lang="en-US" smtClean="0"/>
+              <a:rPr lang="en-US"/>
               <a:t>Third level</a:t>
             </a:r>
           </a:p>
           <a:p>
             <a:pPr lvl="3"/>
             <a:r>
-              <a:rPr lang="en-US" smtClean="0"/>
+              <a:rPr lang="en-US"/>
               <a:t>Fourth level</a:t>
             </a:r>
           </a:p>
           <a:p>
             <a:pPr lvl="4"/>
             <a:r>
-              <a:rPr lang="en-US" smtClean="0"/>
+              <a:rPr lang="en-US"/>
               <a:t>Fifth level</a:t>
             </a:r>
-            <a:endParaRPr lang="en-US"/>
           </a:p>
         </p:txBody>
       </p:sp>
@@ -1434,7 +1375,7 @@
             <a:fld id="{1D8BD707-D9CF-40AE-B4C6-C98DA3205C09}" type="datetimeFigureOut">
               <a:rPr lang="en-US" smtClean="0"/>
               <a:pPr/>
-              <a:t>8/1/2011</a:t>
+              <a:t>1/24/2024</a:t>
             </a:fld>
             <a:endParaRPr lang="en-US"/>
           </a:p>
@@ -1528,10 +1469,9 @@
           </a:lstStyle>
           <a:p>
             <a:r>
-              <a:rPr lang="en-US" smtClean="0"/>
+              <a:rPr lang="en-US"/>
               <a:t>Click to edit Master title style</a:t>
             </a:r>
-            <a:endParaRPr lang="en-US"/>
           </a:p>
         </p:txBody>
       </p:sp>
@@ -1594,7 +1534,7 @@
           <a:p>
             <a:pPr lvl="0"/>
             <a:r>
-              <a:rPr lang="en-US" smtClean="0"/>
+              <a:rPr lang="en-US"/>
               <a:t>Click to edit Master text styles</a:t>
             </a:r>
           </a:p>
@@ -1650,38 +1590,37 @@
           <a:p>
             <a:pPr lvl="0"/>
             <a:r>
-              <a:rPr lang="en-US" smtClean="0"/>
+              <a:rPr lang="en-US"/>
               <a:t>Click to edit Master text styles</a:t>
             </a:r>
           </a:p>
           <a:p>
             <a:pPr lvl="1"/>
             <a:r>
-              <a:rPr lang="en-US" smtClean="0"/>
+              <a:rPr lang="en-US"/>
               <a:t>Second level</a:t>
             </a:r>
           </a:p>
           <a:p>
             <a:pPr lvl="2"/>
             <a:r>
-              <a:rPr lang="en-US" smtClean="0"/>
+              <a:rPr lang="en-US"/>
               <a:t>Third level</a:t>
             </a:r>
           </a:p>
           <a:p>
             <a:pPr lvl="3"/>
             <a:r>
-              <a:rPr lang="en-US" smtClean="0"/>
+              <a:rPr lang="en-US"/>
               <a:t>Fourth level</a:t>
             </a:r>
           </a:p>
           <a:p>
             <a:pPr lvl="4"/>
             <a:r>
-              <a:rPr lang="en-US" smtClean="0"/>
+              <a:rPr lang="en-US"/>
               <a:t>Fifth level</a:t>
             </a:r>
-            <a:endParaRPr lang="en-US"/>
           </a:p>
         </p:txBody>
       </p:sp>
@@ -1744,7 +1683,7 @@
           <a:p>
             <a:pPr lvl="0"/>
             <a:r>
-              <a:rPr lang="en-US" smtClean="0"/>
+              <a:rPr lang="en-US"/>
               <a:t>Click to edit Master text styles</a:t>
             </a:r>
           </a:p>
@@ -1800,38 +1739,37 @@
           <a:p>
             <a:pPr lvl="0"/>
             <a:r>
-              <a:rPr lang="en-US" smtClean="0"/>
+              <a:rPr lang="en-US"/>
               <a:t>Click to edit Master text styles</a:t>
             </a:r>
           </a:p>
           <a:p>
             <a:pPr lvl="1"/>
             <a:r>
-              <a:rPr lang="en-US" smtClean="0"/>
+              <a:rPr lang="en-US"/>
               <a:t>Second level</a:t>
             </a:r>
           </a:p>
           <a:p>
             <a:pPr lvl="2"/>
             <a:r>
-              <a:rPr lang="en-US" smtClean="0"/>
+              <a:rPr lang="en-US"/>
               <a:t>Third level</a:t>
             </a:r>
           </a:p>
           <a:p>
             <a:pPr lvl="3"/>
             <a:r>
-              <a:rPr lang="en-US" smtClean="0"/>
+              <a:rPr lang="en-US"/>
               <a:t>Fourth level</a:t>
             </a:r>
           </a:p>
           <a:p>
             <a:pPr lvl="4"/>
             <a:r>
-              <a:rPr lang="en-US" smtClean="0"/>
+              <a:rPr lang="en-US"/>
               <a:t>Fifth level</a:t>
             </a:r>
-            <a:endParaRPr lang="en-US"/>
           </a:p>
         </p:txBody>
       </p:sp>
@@ -1853,7 +1791,7 @@
             <a:fld id="{1D8BD707-D9CF-40AE-B4C6-C98DA3205C09}" type="datetimeFigureOut">
               <a:rPr lang="en-US" smtClean="0"/>
               <a:pPr/>
-              <a:t>8/1/2011</a:t>
+              <a:t>1/24/2024</a:t>
             </a:fld>
             <a:endParaRPr lang="en-US"/>
           </a:p>
@@ -1943,10 +1881,9 @@
           <a:lstStyle/>
           <a:p>
             <a:r>
-              <a:rPr lang="en-US" smtClean="0"/>
+              <a:rPr lang="en-US"/>
               <a:t>Click to edit Master title style</a:t>
             </a:r>
-            <a:endParaRPr lang="en-US"/>
           </a:p>
         </p:txBody>
       </p:sp>
@@ -1968,7 +1905,7 @@
             <a:fld id="{1D8BD707-D9CF-40AE-B4C6-C98DA3205C09}" type="datetimeFigureOut">
               <a:rPr lang="en-US" smtClean="0"/>
               <a:pPr/>
-              <a:t>8/1/2011</a:t>
+              <a:t>1/24/2024</a:t>
             </a:fld>
             <a:endParaRPr lang="en-US"/>
           </a:p>
@@ -2060,7 +1997,7 @@
             <a:fld id="{1D8BD707-D9CF-40AE-B4C6-C98DA3205C09}" type="datetimeFigureOut">
               <a:rPr lang="en-US" smtClean="0"/>
               <a:pPr/>
-              <a:t>8/1/2011</a:t>
+              <a:t>1/24/2024</a:t>
             </a:fld>
             <a:endParaRPr lang="en-US"/>
           </a:p>
@@ -2159,10 +2096,9 @@
           </a:lstStyle>
           <a:p>
             <a:r>
-              <a:rPr lang="en-US" smtClean="0"/>
+              <a:rPr lang="en-US"/>
               <a:t>Click to edit Master title style</a:t>
             </a:r>
-            <a:endParaRPr lang="en-US"/>
           </a:p>
         </p:txBody>
       </p:sp>
@@ -2216,38 +2152,37 @@
           <a:p>
             <a:pPr lvl="0"/>
             <a:r>
-              <a:rPr lang="en-US" smtClean="0"/>
+              <a:rPr lang="en-US"/>
               <a:t>Click to edit Master text styles</a:t>
             </a:r>
           </a:p>
           <a:p>
             <a:pPr lvl="1"/>
             <a:r>
-              <a:rPr lang="en-US" smtClean="0"/>
+              <a:rPr lang="en-US"/>
               <a:t>Second level</a:t>
             </a:r>
           </a:p>
           <a:p>
             <a:pPr lvl="2"/>
             <a:r>
-              <a:rPr lang="en-US" smtClean="0"/>
+              <a:rPr lang="en-US"/>
               <a:t>Third level</a:t>
             </a:r>
           </a:p>
           <a:p>
             <a:pPr lvl="3"/>
             <a:r>
-              <a:rPr lang="en-US" smtClean="0"/>
+              <a:rPr lang="en-US"/>
               <a:t>Fourth level</a:t>
             </a:r>
           </a:p>
           <a:p>
             <a:pPr lvl="4"/>
             <a:r>
-              <a:rPr lang="en-US" smtClean="0"/>
+              <a:rPr lang="en-US"/>
               <a:t>Fifth level</a:t>
             </a:r>
-            <a:endParaRPr lang="en-US"/>
           </a:p>
         </p:txBody>
       </p:sp>
@@ -2310,7 +2245,7 @@
           <a:p>
             <a:pPr lvl="0"/>
             <a:r>
-              <a:rPr lang="en-US" smtClean="0"/>
+              <a:rPr lang="en-US"/>
               <a:t>Click to edit Master text styles</a:t>
             </a:r>
           </a:p>
@@ -2334,7 +2269,7 @@
             <a:fld id="{1D8BD707-D9CF-40AE-B4C6-C98DA3205C09}" type="datetimeFigureOut">
               <a:rPr lang="en-US" smtClean="0"/>
               <a:pPr/>
-              <a:t>8/1/2011</a:t>
+              <a:t>1/24/2024</a:t>
             </a:fld>
             <a:endParaRPr lang="en-US"/>
           </a:p>
@@ -2433,10 +2368,9 @@
           </a:lstStyle>
           <a:p>
             <a:r>
-              <a:rPr lang="en-US" smtClean="0"/>
+              <a:rPr lang="en-US"/>
               <a:t>Click to edit Master title style</a:t>
             </a:r>
-            <a:endParaRPr lang="en-US"/>
           </a:p>
         </p:txBody>
       </p:sp>
@@ -2560,7 +2494,7 @@
           <a:p>
             <a:pPr lvl="0"/>
             <a:r>
-              <a:rPr lang="en-US" smtClean="0"/>
+              <a:rPr lang="en-US"/>
               <a:t>Click to edit Master text styles</a:t>
             </a:r>
           </a:p>
@@ -2584,7 +2518,7 @@
             <a:fld id="{1D8BD707-D9CF-40AE-B4C6-C98DA3205C09}" type="datetimeFigureOut">
               <a:rPr lang="en-US" smtClean="0"/>
               <a:pPr/>
-              <a:t>8/1/2011</a:t>
+              <a:t>1/24/2024</a:t>
             </a:fld>
             <a:endParaRPr lang="en-US"/>
           </a:p>
@@ -2689,10 +2623,9 @@
           <a:lstStyle/>
           <a:p>
             <a:r>
-              <a:rPr lang="en-US" smtClean="0"/>
+              <a:rPr lang="en-US"/>
               <a:t>Click to edit Master title style</a:t>
             </a:r>
-            <a:endParaRPr lang="en-US"/>
           </a:p>
         </p:txBody>
       </p:sp>
@@ -2723,38 +2656,37 @@
           <a:p>
             <a:pPr lvl="0"/>
             <a:r>
-              <a:rPr lang="en-US" smtClean="0"/>
+              <a:rPr lang="en-US"/>
               <a:t>Click to edit Master text styles</a:t>
             </a:r>
           </a:p>
           <a:p>
             <a:pPr lvl="1"/>
             <a:r>
-              <a:rPr lang="en-US" smtClean="0"/>
+              <a:rPr lang="en-US"/>
               <a:t>Second level</a:t>
             </a:r>
           </a:p>
           <a:p>
             <a:pPr lvl="2"/>
             <a:r>
-              <a:rPr lang="en-US" smtClean="0"/>
+              <a:rPr lang="en-US"/>
               <a:t>Third level</a:t>
             </a:r>
           </a:p>
           <a:p>
             <a:pPr lvl="3"/>
             <a:r>
-              <a:rPr lang="en-US" smtClean="0"/>
+              <a:rPr lang="en-US"/>
               <a:t>Fourth level</a:t>
             </a:r>
           </a:p>
           <a:p>
             <a:pPr lvl="4"/>
             <a:r>
-              <a:rPr lang="en-US" smtClean="0"/>
+              <a:rPr lang="en-US"/>
               <a:t>Fifth level</a:t>
             </a:r>
-            <a:endParaRPr lang="en-US"/>
           </a:p>
         </p:txBody>
       </p:sp>
@@ -2794,7 +2726,7 @@
             <a:fld id="{1D8BD707-D9CF-40AE-B4C6-C98DA3205C09}" type="datetimeFigureOut">
               <a:rPr lang="en-US" smtClean="0"/>
               <a:pPr/>
-              <a:t>8/1/2011</a:t>
+              <a:t>1/24/2024</a:t>
             </a:fld>
             <a:endParaRPr lang="en-US"/>
           </a:p>
@@ -3149,13 +3081,14 @@
 </file>
 
 <file path=ppt/slides/slide1.xml><?xml version="1.0" encoding="utf-8"?>
-<p:sld xmlns:p="http://schemas.openxmlformats.org/presentationml/2006/main" xmlns:a="http://schemas.openxmlformats.org/drawingml/2006/main" xmlns:r="http://schemas.openxmlformats.org/officeDocument/2006/relationships">
+<p:sld xmlns:a="http://schemas.openxmlformats.org/drawingml/2006/main" xmlns:r="http://schemas.openxmlformats.org/officeDocument/2006/relationships" xmlns:p="http://schemas.openxmlformats.org/presentationml/2006/main">
   <p:cSld>
     <p:bg>
       <p:bgPr>
         <a:solidFill>
           <a:srgbClr val="E6606B"/>
         </a:solidFill>
+        <a:effectLst/>
       </p:bgPr>
     </p:bg>
     <p:spTree>
@@ -3174,12 +3107,12 @@
       </p:grpSpPr>
       <p:grpSp>
         <p:nvGrpSpPr>
-          <p:cNvPr name="Group 2" id="2"/>
+          <p:cNvPr id="2" name="Group 2"/>
           <p:cNvGrpSpPr/>
           <p:nvPr/>
         </p:nvGrpSpPr>
         <p:grpSpPr>
-          <a:xfrm rot="0">
+          <a:xfrm>
             <a:off x="0" y="6403497"/>
             <a:ext cx="18288000" cy="4116330"/>
             <a:chOff x="0" y="0"/>
@@ -3188,12 +3121,12 @@
         </p:grpSpPr>
         <p:sp>
           <p:nvSpPr>
-            <p:cNvPr name="Freeform 3" id="3"/>
+            <p:cNvPr id="3" name="Freeform 3"/>
             <p:cNvSpPr/>
             <p:nvPr/>
           </p:nvSpPr>
           <p:spPr>
-            <a:xfrm flipH="false" flipV="false" rot="0">
+            <a:xfrm>
               <a:off x="0" y="0"/>
               <a:ext cx="4816592" cy="1084136"/>
             </a:xfrm>
@@ -3202,9 +3135,9 @@
               <a:gdLst/>
               <a:ahLst/>
               <a:cxnLst/>
-              <a:rect r="r" b="b" t="t" l="l"/>
+              <a:rect l="l" t="t" r="r" b="b"/>
               <a:pathLst>
-                <a:path h="1084136" w="4816592">
+                <a:path w="4816592" h="1084136">
                   <a:moveTo>
                     <a:pt x="21590" y="0"/>
                   </a:moveTo>
@@ -3256,8 +3189,8 @@
         </p:sp>
         <p:sp>
           <p:nvSpPr>
-            <p:cNvPr name="TextBox 4" id="4"/>
-            <p:cNvSpPr txBox="true"/>
+            <p:cNvPr id="4" name="TextBox 4"/>
+            <p:cNvSpPr txBox="1"/>
             <p:nvPr/>
           </p:nvSpPr>
           <p:spPr>
@@ -3270,7 +3203,7 @@
             </a:prstGeom>
           </p:spPr>
           <p:txBody>
-            <a:bodyPr anchor="ctr" rtlCol="false" tIns="50800" lIns="50800" bIns="50800" rIns="50800"/>
+            <a:bodyPr lIns="50800" tIns="50800" rIns="50800" bIns="50800" rtlCol="0" anchor="ctr"/>
             <a:lstStyle/>
             <a:p>
               <a:pPr algn="ctr">
@@ -3278,18 +3211,19 @@
                   <a:spcPts val="2241"/>
                 </a:lnSpc>
               </a:pPr>
+              <a:endParaRPr/>
             </a:p>
           </p:txBody>
         </p:sp>
       </p:grpSp>
       <p:grpSp>
         <p:nvGrpSpPr>
-          <p:cNvPr name="Group 5" id="5"/>
+          <p:cNvPr id="5" name="Group 5"/>
           <p:cNvGrpSpPr/>
           <p:nvPr/>
         </p:nvGrpSpPr>
         <p:grpSpPr>
-          <a:xfrm rot="0">
+          <a:xfrm>
             <a:off x="2729813" y="8196720"/>
             <a:ext cx="12828375" cy="1311753"/>
             <a:chOff x="0" y="0"/>
@@ -3298,12 +3232,12 @@
         </p:grpSpPr>
         <p:sp>
           <p:nvSpPr>
-            <p:cNvPr name="Freeform 6" id="6"/>
+            <p:cNvPr id="6" name="Freeform 6"/>
             <p:cNvSpPr/>
             <p:nvPr/>
           </p:nvSpPr>
           <p:spPr>
-            <a:xfrm flipH="false" flipV="false" rot="0">
+            <a:xfrm>
               <a:off x="0" y="0"/>
               <a:ext cx="3974417" cy="406400"/>
             </a:xfrm>
@@ -3312,9 +3246,9 @@
               <a:gdLst/>
               <a:ahLst/>
               <a:cxnLst/>
-              <a:rect r="r" b="b" t="t" l="l"/>
+              <a:rect l="l" t="t" r="r" b="b"/>
               <a:pathLst>
-                <a:path h="406400" w="3974417">
+                <a:path w="3974417" h="406400">
                   <a:moveTo>
                     <a:pt x="3771217" y="0"/>
                   </a:moveTo>
@@ -3357,8 +3291,8 @@
         </p:sp>
         <p:sp>
           <p:nvSpPr>
-            <p:cNvPr name="TextBox 7" id="7"/>
-            <p:cNvSpPr txBox="true"/>
+            <p:cNvPr id="7" name="TextBox 7"/>
+            <p:cNvSpPr txBox="1"/>
             <p:nvPr/>
           </p:nvSpPr>
           <p:spPr>
@@ -3371,10 +3305,10 @@
             </a:prstGeom>
           </p:spPr>
           <p:txBody>
-            <a:bodyPr anchor="ctr" rtlCol="false" tIns="50800" lIns="50800" bIns="50800" rIns="50800"/>
+            <a:bodyPr lIns="50800" tIns="50800" rIns="50800" bIns="50800" rtlCol="0" anchor="ctr"/>
             <a:lstStyle/>
             <a:p>
-              <a:pPr algn="ctr" marL="0" indent="0" lvl="0">
+              <a:pPr marL="0" lvl="0" indent="0" algn="ctr">
                 <a:lnSpc>
                   <a:spcPts val="2609"/>
                 </a:lnSpc>
@@ -3382,18 +3316,19 @@
                   <a:spcPct val="0"/>
                 </a:spcBef>
               </a:pPr>
+              <a:endParaRPr/>
             </a:p>
           </p:txBody>
         </p:sp>
       </p:grpSp>
       <p:sp>
         <p:nvSpPr>
-          <p:cNvPr name="Freeform 8" id="8"/>
+          <p:cNvPr id="8" name="Freeform 8"/>
           <p:cNvSpPr/>
           <p:nvPr/>
         </p:nvSpPr>
         <p:spPr>
-          <a:xfrm flipH="false" flipV="false" rot="0">
+          <a:xfrm>
             <a:off x="2543770" y="1028700"/>
             <a:ext cx="13200459" cy="6552228"/>
           </a:xfrm>
@@ -3402,9 +3337,9 @@
             <a:gdLst/>
             <a:ahLst/>
             <a:cxnLst/>
-            <a:rect r="r" b="b" t="t" l="l"/>
+            <a:rect l="l" t="t" r="r" b="b"/>
             <a:pathLst>
-              <a:path h="6552228" w="13200459">
+              <a:path w="13200459" h="6552228">
                 <a:moveTo>
                   <a:pt x="0" y="0"/>
                 </a:moveTo>
@@ -3433,19 +3368,19 @@
               </a:extLst>
             </a:blip>
             <a:stretch>
-              <a:fillRect l="0" t="0" r="0" b="0"/>
+              <a:fillRect/>
             </a:stretch>
           </a:blipFill>
         </p:spPr>
       </p:sp>
       <p:sp>
         <p:nvSpPr>
-          <p:cNvPr name="TextBox 9" id="9"/>
-          <p:cNvSpPr txBox="true"/>
+          <p:cNvPr id="9" name="TextBox 9"/>
+          <p:cNvSpPr txBox="1"/>
           <p:nvPr/>
         </p:nvSpPr>
         <p:spPr>
-          <a:xfrm rot="0">
+          <a:xfrm>
             <a:off x="4032261" y="8245683"/>
             <a:ext cx="10223477" cy="1158239"/>
           </a:xfrm>
@@ -3454,7 +3389,7 @@
           </a:prstGeom>
         </p:spPr>
         <p:txBody>
-          <a:bodyPr anchor="t" rtlCol="false" tIns="0" lIns="0" bIns="0" rIns="0">
+          <a:bodyPr lIns="0" tIns="0" rIns="0" bIns="0" rtlCol="0" anchor="t">
             <a:spAutoFit/>
           </a:bodyPr>
           <a:lstStyle/>
@@ -3481,12 +3416,12 @@
       </p:sp>
       <p:sp>
         <p:nvSpPr>
-          <p:cNvPr name="Freeform 10" id="10"/>
+          <p:cNvPr id="10" name="Freeform 10"/>
           <p:cNvSpPr/>
           <p:nvPr/>
         </p:nvSpPr>
         <p:spPr>
-          <a:xfrm flipH="false" flipV="false" rot="0">
+          <a:xfrm>
             <a:off x="16623239" y="8622239"/>
             <a:ext cx="2236261" cy="2236261"/>
           </a:xfrm>
@@ -3495,9 +3430,9 @@
             <a:gdLst/>
             <a:ahLst/>
             <a:cxnLst/>
-            <a:rect r="r" b="b" t="t" l="l"/>
+            <a:rect l="l" t="t" r="r" b="b"/>
             <a:pathLst>
-              <a:path h="2236261" w="2236261">
+              <a:path w="2236261" h="2236261">
                 <a:moveTo>
                   <a:pt x="0" y="0"/>
                 </a:moveTo>
@@ -3526,19 +3461,19 @@
               </a:extLst>
             </a:blip>
             <a:stretch>
-              <a:fillRect l="0" t="0" r="0" b="0"/>
+              <a:fillRect/>
             </a:stretch>
           </a:blipFill>
         </p:spPr>
       </p:sp>
       <p:sp>
         <p:nvSpPr>
-          <p:cNvPr name="Freeform 11" id="11"/>
+          <p:cNvPr id="11" name="Freeform 11"/>
           <p:cNvSpPr/>
           <p:nvPr/>
         </p:nvSpPr>
         <p:spPr>
-          <a:xfrm flipH="false" flipV="false" rot="-4175715">
+          <a:xfrm rot="-4175715">
             <a:off x="-1954702" y="-1450990"/>
             <a:ext cx="5388429" cy="4114800"/>
           </a:xfrm>
@@ -3547,9 +3482,9 @@
             <a:gdLst/>
             <a:ahLst/>
             <a:cxnLst/>
-            <a:rect r="r" b="b" t="t" l="l"/>
+            <a:rect l="l" t="t" r="r" b="b"/>
             <a:pathLst>
-              <a:path h="4114800" w="5388429">
+              <a:path w="5388429" h="4114800">
                 <a:moveTo>
                   <a:pt x="0" y="0"/>
                 </a:moveTo>
@@ -3578,7 +3513,7 @@
               </a:extLst>
             </a:blip>
             <a:stretch>
-              <a:fillRect l="0" t="0" r="0" b="0"/>
+              <a:fillRect/>
             </a:stretch>
           </a:blipFill>
         </p:spPr>
@@ -3592,13 +3527,14 @@
 </file>
 
 <file path=ppt/slides/slide2.xml><?xml version="1.0" encoding="utf-8"?>
-<p:sld xmlns:p="http://schemas.openxmlformats.org/presentationml/2006/main" xmlns:a="http://schemas.openxmlformats.org/drawingml/2006/main" xmlns:r="http://schemas.openxmlformats.org/officeDocument/2006/relationships">
+<p:sld xmlns:a="http://schemas.openxmlformats.org/drawingml/2006/main" xmlns:r="http://schemas.openxmlformats.org/officeDocument/2006/relationships" xmlns:p="http://schemas.openxmlformats.org/presentationml/2006/main">
   <p:cSld>
     <p:bg>
       <p:bgPr>
         <a:solidFill>
           <a:srgbClr val="E6606B"/>
         </a:solidFill>
+        <a:effectLst/>
       </p:bgPr>
     </p:bg>
     <p:spTree>
@@ -3617,12 +3553,12 @@
       </p:grpSpPr>
       <p:grpSp>
         <p:nvGrpSpPr>
-          <p:cNvPr name="Group 2" id="2"/>
+          <p:cNvPr id="2" name="Group 2"/>
           <p:cNvGrpSpPr/>
           <p:nvPr/>
         </p:nvGrpSpPr>
         <p:grpSpPr>
-          <a:xfrm rot="0">
+          <a:xfrm>
             <a:off x="7910186" y="554945"/>
             <a:ext cx="9901564" cy="9177111"/>
             <a:chOff x="0" y="0"/>
@@ -3631,12 +3567,12 @@
         </p:grpSpPr>
         <p:sp>
           <p:nvSpPr>
-            <p:cNvPr name="Freeform 3" id="3"/>
+            <p:cNvPr id="3" name="Freeform 3"/>
             <p:cNvSpPr/>
             <p:nvPr/>
           </p:nvSpPr>
           <p:spPr>
-            <a:xfrm flipH="false" flipV="false" rot="0">
+            <a:xfrm>
               <a:off x="0" y="0"/>
               <a:ext cx="2607819" cy="2417017"/>
             </a:xfrm>
@@ -3645,9 +3581,9 @@
               <a:gdLst/>
               <a:ahLst/>
               <a:cxnLst/>
-              <a:rect r="r" b="b" t="t" l="l"/>
+              <a:rect l="l" t="t" r="r" b="b"/>
               <a:pathLst>
-                <a:path h="2417017" w="2607819">
+                <a:path w="2607819" h="2417017">
                   <a:moveTo>
                     <a:pt x="39876" y="0"/>
                   </a:moveTo>
@@ -3694,8 +3630,8 @@
         </p:sp>
         <p:sp>
           <p:nvSpPr>
-            <p:cNvPr name="TextBox 4" id="4"/>
-            <p:cNvSpPr txBox="true"/>
+            <p:cNvPr id="4" name="TextBox 4"/>
+            <p:cNvSpPr txBox="1"/>
             <p:nvPr/>
           </p:nvSpPr>
           <p:spPr>
@@ -3708,7 +3644,7 @@
             </a:prstGeom>
           </p:spPr>
           <p:txBody>
-            <a:bodyPr anchor="ctr" rtlCol="false" tIns="50800" lIns="50800" bIns="50800" rIns="50800"/>
+            <a:bodyPr lIns="50800" tIns="50800" rIns="50800" bIns="50800" rtlCol="0" anchor="ctr"/>
             <a:lstStyle/>
             <a:p>
               <a:pPr algn="ctr">
@@ -3716,18 +3652,19 @@
                   <a:spcPts val="2241"/>
                 </a:lnSpc>
               </a:pPr>
+              <a:endParaRPr/>
             </a:p>
           </p:txBody>
         </p:sp>
       </p:grpSp>
       <p:sp>
         <p:nvSpPr>
-          <p:cNvPr name="Freeform 5" id="5"/>
+          <p:cNvPr id="5" name="Freeform 5"/>
           <p:cNvSpPr/>
           <p:nvPr/>
         </p:nvSpPr>
         <p:spPr>
-          <a:xfrm flipH="false" flipV="false" rot="0">
+          <a:xfrm>
             <a:off x="749559" y="1063008"/>
             <a:ext cx="9179022" cy="8160985"/>
           </a:xfrm>
@@ -3736,9 +3673,9 @@
             <a:gdLst/>
             <a:ahLst/>
             <a:cxnLst/>
-            <a:rect r="r" b="b" t="t" l="l"/>
+            <a:rect l="l" t="t" r="r" b="b"/>
             <a:pathLst>
-              <a:path h="8160985" w="9179022">
+              <a:path w="9179022" h="8160985">
                 <a:moveTo>
                   <a:pt x="0" y="0"/>
                 </a:moveTo>
@@ -3767,19 +3704,19 @@
               </a:extLst>
             </a:blip>
             <a:stretch>
-              <a:fillRect l="0" t="0" r="0" b="0"/>
+              <a:fillRect/>
             </a:stretch>
           </a:blipFill>
         </p:spPr>
       </p:sp>
       <p:sp>
         <p:nvSpPr>
-          <p:cNvPr name="TextBox 6" id="6"/>
-          <p:cNvSpPr txBox="true"/>
+          <p:cNvPr id="6" name="TextBox 6"/>
+          <p:cNvSpPr txBox="1"/>
           <p:nvPr/>
         </p:nvSpPr>
         <p:spPr>
-          <a:xfrm rot="0">
+          <a:xfrm>
             <a:off x="10608034" y="4046172"/>
             <a:ext cx="6221982" cy="4458335"/>
           </a:xfrm>
@@ -3788,12 +3725,12 @@
           </a:prstGeom>
         </p:spPr>
         <p:txBody>
-          <a:bodyPr anchor="t" rtlCol="false" tIns="0" lIns="0" bIns="0" rIns="0">
+          <a:bodyPr lIns="0" tIns="0" rIns="0" bIns="0" rtlCol="0" anchor="t">
             <a:spAutoFit/>
           </a:bodyPr>
           <a:lstStyle/>
           <a:p>
-            <a:pPr marL="604521" indent="-302261" lvl="1">
+            <a:pPr marL="604521" lvl="1" indent="-302261">
               <a:lnSpc>
                 <a:spcPts val="4480"/>
               </a:lnSpc>
@@ -3816,9 +3753,15 @@
                 <a:spcPts val="4480"/>
               </a:lnSpc>
             </a:pPr>
-          </a:p>
-          <a:p>
-            <a:pPr marL="604521" indent="-302261" lvl="1">
+            <a:endParaRPr lang="en-US" sz="2800">
+              <a:solidFill>
+                <a:srgbClr val="FFFFFF"/>
+              </a:solidFill>
+              <a:latin typeface="TT Norms"/>
+            </a:endParaRPr>
+          </a:p>
+          <a:p>
+            <a:pPr marL="604521" lvl="1" indent="-302261">
               <a:lnSpc>
                 <a:spcPts val="4480"/>
               </a:lnSpc>
@@ -3839,12 +3782,12 @@
       </p:sp>
       <p:sp>
         <p:nvSpPr>
-          <p:cNvPr name="TextBox 7" id="7"/>
-          <p:cNvSpPr txBox="true"/>
+          <p:cNvPr id="7" name="TextBox 7"/>
+          <p:cNvSpPr txBox="1"/>
           <p:nvPr/>
         </p:nvSpPr>
         <p:spPr>
-          <a:xfrm rot="0">
+          <a:xfrm>
             <a:off x="10608034" y="2695137"/>
             <a:ext cx="7112596" cy="1052193"/>
           </a:xfrm>
@@ -3853,7 +3796,7 @@
           </a:prstGeom>
         </p:spPr>
         <p:txBody>
-          <a:bodyPr anchor="t" rtlCol="false" tIns="0" lIns="0" bIns="0" rIns="0">
+          <a:bodyPr lIns="0" tIns="0" rIns="0" bIns="0" rtlCol="0" anchor="t">
             <a:spAutoFit/>
           </a:bodyPr>
           <a:lstStyle/>
@@ -3880,12 +3823,12 @@
       </p:sp>
       <p:sp>
         <p:nvSpPr>
-          <p:cNvPr name="Freeform 8" id="8"/>
+          <p:cNvPr id="8" name="Freeform 8"/>
           <p:cNvSpPr/>
           <p:nvPr/>
         </p:nvSpPr>
         <p:spPr>
-          <a:xfrm flipH="false" flipV="false" rot="1338289">
+          <a:xfrm rot="1338289">
             <a:off x="13999532" y="-2038843"/>
             <a:ext cx="5941161" cy="4536887"/>
           </a:xfrm>
@@ -3894,9 +3837,9 @@
             <a:gdLst/>
             <a:ahLst/>
             <a:cxnLst/>
-            <a:rect r="r" b="b" t="t" l="l"/>
+            <a:rect l="l" t="t" r="r" b="b"/>
             <a:pathLst>
-              <a:path h="4536887" w="5941161">
+              <a:path w="5941161" h="4536887">
                 <a:moveTo>
                   <a:pt x="0" y="0"/>
                 </a:moveTo>
@@ -3925,19 +3868,19 @@
               </a:extLst>
             </a:blip>
             <a:stretch>
-              <a:fillRect l="0" t="0" r="0" b="0"/>
+              <a:fillRect/>
             </a:stretch>
           </a:blipFill>
         </p:spPr>
       </p:sp>
       <p:sp>
         <p:nvSpPr>
-          <p:cNvPr name="Freeform 9" id="9"/>
+          <p:cNvPr id="9" name="Freeform 9"/>
           <p:cNvSpPr/>
           <p:nvPr/>
         </p:nvSpPr>
         <p:spPr>
-          <a:xfrm flipH="false" flipV="false" rot="0">
+          <a:xfrm>
             <a:off x="-571500" y="-571500"/>
             <a:ext cx="2236261" cy="2236261"/>
           </a:xfrm>
@@ -3946,9 +3889,9 @@
             <a:gdLst/>
             <a:ahLst/>
             <a:cxnLst/>
-            <a:rect r="r" b="b" t="t" l="l"/>
+            <a:rect l="l" t="t" r="r" b="b"/>
             <a:pathLst>
-              <a:path h="2236261" w="2236261">
+              <a:path w="2236261" h="2236261">
                 <a:moveTo>
                   <a:pt x="0" y="0"/>
                 </a:moveTo>
@@ -3977,19 +3920,19 @@
               </a:extLst>
             </a:blip>
             <a:stretch>
-              <a:fillRect l="0" t="0" r="0" b="0"/>
+              <a:fillRect/>
             </a:stretch>
           </a:blipFill>
         </p:spPr>
       </p:sp>
       <p:sp>
         <p:nvSpPr>
-          <p:cNvPr name="Freeform 10" id="10"/>
+          <p:cNvPr id="10" name="Freeform 10"/>
           <p:cNvSpPr/>
           <p:nvPr/>
         </p:nvSpPr>
         <p:spPr>
-          <a:xfrm flipH="false" flipV="false" rot="0">
+          <a:xfrm>
             <a:off x="9144000" y="9168869"/>
             <a:ext cx="2236261" cy="2236261"/>
           </a:xfrm>
@@ -3998,9 +3941,9 @@
             <a:gdLst/>
             <a:ahLst/>
             <a:cxnLst/>
-            <a:rect r="r" b="b" t="t" l="l"/>
+            <a:rect l="l" t="t" r="r" b="b"/>
             <a:pathLst>
-              <a:path h="2236261" w="2236261">
+              <a:path w="2236261" h="2236261">
                 <a:moveTo>
                   <a:pt x="0" y="0"/>
                 </a:moveTo>
@@ -4029,7 +3972,7 @@
               </a:extLst>
             </a:blip>
             <a:stretch>
-              <a:fillRect l="0" t="0" r="0" b="0"/>
+              <a:fillRect/>
             </a:stretch>
           </a:blipFill>
         </p:spPr>
@@ -4043,13 +3986,14 @@
 </file>
 
 <file path=ppt/slides/slide3.xml><?xml version="1.0" encoding="utf-8"?>
-<p:sld xmlns:p="http://schemas.openxmlformats.org/presentationml/2006/main" xmlns:a="http://schemas.openxmlformats.org/drawingml/2006/main" xmlns:r="http://schemas.openxmlformats.org/officeDocument/2006/relationships">
+<p:sld xmlns:a="http://schemas.openxmlformats.org/drawingml/2006/main" xmlns:r="http://schemas.openxmlformats.org/officeDocument/2006/relationships" xmlns:p="http://schemas.openxmlformats.org/presentationml/2006/main">
   <p:cSld>
     <p:bg>
       <p:bgPr>
         <a:solidFill>
           <a:srgbClr val="E6606B"/>
         </a:solidFill>
+        <a:effectLst/>
       </p:bgPr>
     </p:bg>
     <p:spTree>
@@ -4068,12 +4012,12 @@
       </p:grpSpPr>
       <p:grpSp>
         <p:nvGrpSpPr>
-          <p:cNvPr name="Group 2" id="2"/>
+          <p:cNvPr id="2" name="Group 2"/>
           <p:cNvGrpSpPr/>
           <p:nvPr/>
         </p:nvGrpSpPr>
         <p:grpSpPr>
-          <a:xfrm rot="0">
+          <a:xfrm>
             <a:off x="583702" y="554945"/>
             <a:ext cx="9901564" cy="9177111"/>
             <a:chOff x="0" y="0"/>
@@ -4082,12 +4026,12 @@
         </p:grpSpPr>
         <p:sp>
           <p:nvSpPr>
-            <p:cNvPr name="Freeform 3" id="3"/>
+            <p:cNvPr id="3" name="Freeform 3"/>
             <p:cNvSpPr/>
             <p:nvPr/>
           </p:nvSpPr>
           <p:spPr>
-            <a:xfrm flipH="false" flipV="false" rot="0">
+            <a:xfrm>
               <a:off x="0" y="0"/>
               <a:ext cx="2607819" cy="2417017"/>
             </a:xfrm>
@@ -4096,9 +4040,9 @@
               <a:gdLst/>
               <a:ahLst/>
               <a:cxnLst/>
-              <a:rect r="r" b="b" t="t" l="l"/>
+              <a:rect l="l" t="t" r="r" b="b"/>
               <a:pathLst>
-                <a:path h="2417017" w="2607819">
+                <a:path w="2607819" h="2417017">
                   <a:moveTo>
                     <a:pt x="39876" y="0"/>
                   </a:moveTo>
@@ -4145,8 +4089,8 @@
         </p:sp>
         <p:sp>
           <p:nvSpPr>
-            <p:cNvPr name="TextBox 4" id="4"/>
-            <p:cNvSpPr txBox="true"/>
+            <p:cNvPr id="4" name="TextBox 4"/>
+            <p:cNvSpPr txBox="1"/>
             <p:nvPr/>
           </p:nvSpPr>
           <p:spPr>
@@ -4159,7 +4103,7 @@
             </a:prstGeom>
           </p:spPr>
           <p:txBody>
-            <a:bodyPr anchor="ctr" rtlCol="false" tIns="50800" lIns="50800" bIns="50800" rIns="50800"/>
+            <a:bodyPr lIns="50800" tIns="50800" rIns="50800" bIns="50800" rtlCol="0" anchor="ctr"/>
             <a:lstStyle/>
             <a:p>
               <a:pPr algn="ctr">
@@ -4167,18 +4111,19 @@
                   <a:spcPts val="2241"/>
                 </a:lnSpc>
               </a:pPr>
+              <a:endParaRPr/>
             </a:p>
           </p:txBody>
         </p:sp>
       </p:grpSp>
       <p:sp>
         <p:nvSpPr>
-          <p:cNvPr name="Freeform 5" id="5"/>
+          <p:cNvPr id="5" name="Freeform 5"/>
           <p:cNvSpPr/>
           <p:nvPr/>
         </p:nvSpPr>
         <p:spPr>
-          <a:xfrm flipH="false" flipV="false" rot="0">
+          <a:xfrm>
             <a:off x="8734309" y="857627"/>
             <a:ext cx="8524991" cy="8571746"/>
           </a:xfrm>
@@ -4187,9 +4132,9 @@
             <a:gdLst/>
             <a:ahLst/>
             <a:cxnLst/>
-            <a:rect r="r" b="b" t="t" l="l"/>
+            <a:rect l="l" t="t" r="r" b="b"/>
             <a:pathLst>
-              <a:path h="8571746" w="8524991">
+              <a:path w="8524991" h="8571746">
                 <a:moveTo>
                   <a:pt x="0" y="0"/>
                 </a:moveTo>
@@ -4218,33 +4163,33 @@
               </a:extLst>
             </a:blip>
             <a:stretch>
-              <a:fillRect l="0" t="0" r="0" b="0"/>
+              <a:fillRect/>
             </a:stretch>
           </a:blipFill>
         </p:spPr>
       </p:sp>
       <p:sp>
         <p:nvSpPr>
-          <p:cNvPr name="TextBox 6" id="6"/>
-          <p:cNvSpPr txBox="true"/>
+          <p:cNvPr id="6" name="TextBox 6"/>
+          <p:cNvSpPr txBox="1"/>
           <p:nvPr/>
         </p:nvSpPr>
         <p:spPr>
-          <a:xfrm rot="0">
+          <a:xfrm>
             <a:off x="1408259" y="5029200"/>
-            <a:ext cx="6015630" cy="2691765"/>
+            <a:ext cx="6015630" cy="2723181"/>
           </a:xfrm>
           <a:prstGeom prst="rect">
             <a:avLst/>
           </a:prstGeom>
         </p:spPr>
         <p:txBody>
-          <a:bodyPr anchor="t" rtlCol="false" tIns="0" lIns="0" bIns="0" rIns="0">
+          <a:bodyPr lIns="0" tIns="0" rIns="0" bIns="0" rtlCol="0" anchor="t">
             <a:spAutoFit/>
           </a:bodyPr>
           <a:lstStyle/>
           <a:p>
-            <a:pPr marL="582932" indent="-291466" lvl="1">
+            <a:pPr marL="582932" lvl="1" indent="-291466">
               <a:lnSpc>
                 <a:spcPts val="4320"/>
               </a:lnSpc>
@@ -4252,7 +4197,7 @@
               <a:buChar char="•"/>
             </a:pPr>
             <a:r>
-              <a:rPr lang="en-US" sz="2700">
+              <a:rPr lang="en-US" sz="2700" dirty="0">
                 <a:solidFill>
                   <a:srgbClr val="FFFFFF"/>
                 </a:solidFill>
@@ -4262,7 +4207,7 @@
             </a:r>
           </a:p>
           <a:p>
-            <a:pPr marL="582932" indent="-291466" lvl="1">
+            <a:pPr marL="582932" lvl="1" indent="-291466">
               <a:lnSpc>
                 <a:spcPts val="4320"/>
               </a:lnSpc>
@@ -4270,7 +4215,7 @@
               <a:buChar char="•"/>
             </a:pPr>
             <a:r>
-              <a:rPr lang="en-US" sz="2700">
+              <a:rPr lang="en-US" sz="2700" dirty="0">
                 <a:solidFill>
                   <a:srgbClr val="FFFFFF"/>
                 </a:solidFill>
@@ -4280,7 +4225,7 @@
             </a:r>
           </a:p>
           <a:p>
-            <a:pPr marL="582932" indent="-291466" lvl="1">
+            <a:pPr marL="582932" lvl="1" indent="-291466">
               <a:lnSpc>
                 <a:spcPts val="4320"/>
               </a:lnSpc>
@@ -4288,25 +4233,25 @@
               <a:buChar char="•"/>
             </a:pPr>
             <a:r>
-              <a:rPr lang="en-US" sz="2700">
+              <a:rPr lang="en-US" sz="2700" dirty="0">
                 <a:solidFill>
                   <a:srgbClr val="FFFFFF"/>
                 </a:solidFill>
                 <a:latin typeface="TT Norms"/>
               </a:rPr>
-              <a:t>En hance problem solving.</a:t>
-            </a:r>
-          </a:p>
-        </p:txBody>
-      </p:sp>
-      <p:sp>
-        <p:nvSpPr>
-          <p:cNvPr name="TextBox 7" id="7"/>
-          <p:cNvSpPr txBox="true"/>
+              <a:t>Enhance problem solving.</a:t>
+            </a:r>
+          </a:p>
+        </p:txBody>
+      </p:sp>
+      <p:sp>
+        <p:nvSpPr>
+          <p:cNvPr id="7" name="TextBox 7"/>
+          <p:cNvSpPr txBox="1"/>
           <p:nvPr/>
         </p:nvSpPr>
         <p:spPr>
-          <a:xfrm rot="0">
+          <a:xfrm>
             <a:off x="1408259" y="1958659"/>
             <a:ext cx="6886230" cy="2848480"/>
           </a:xfrm>
@@ -4315,7 +4260,7 @@
           </a:prstGeom>
         </p:spPr>
         <p:txBody>
-          <a:bodyPr anchor="t" rtlCol="false" tIns="0" lIns="0" bIns="0" rIns="0">
+          <a:bodyPr lIns="0" tIns="0" rIns="0" bIns="0" rtlCol="0" anchor="t">
             <a:spAutoFit/>
           </a:bodyPr>
           <a:lstStyle/>
@@ -4342,12 +4287,12 @@
       </p:sp>
       <p:sp>
         <p:nvSpPr>
-          <p:cNvPr name="Freeform 8" id="8"/>
+          <p:cNvPr id="8" name="Freeform 8"/>
           <p:cNvSpPr/>
           <p:nvPr/>
         </p:nvSpPr>
         <p:spPr>
-          <a:xfrm flipH="false" flipV="false" rot="-824294">
+          <a:xfrm rot="-824294">
             <a:off x="-1038216" y="-3154032"/>
             <a:ext cx="5941161" cy="4536887"/>
           </a:xfrm>
@@ -4356,9 +4301,9 @@
             <a:gdLst/>
             <a:ahLst/>
             <a:cxnLst/>
-            <a:rect r="r" b="b" t="t" l="l"/>
+            <a:rect l="l" t="t" r="r" b="b"/>
             <a:pathLst>
-              <a:path h="4536887" w="5941161">
+              <a:path w="5941161" h="4536887">
                 <a:moveTo>
                   <a:pt x="0" y="0"/>
                 </a:moveTo>
@@ -4387,19 +4332,19 @@
               </a:extLst>
             </a:blip>
             <a:stretch>
-              <a:fillRect l="0" t="0" r="0" b="0"/>
+              <a:fillRect/>
             </a:stretch>
           </a:blipFill>
         </p:spPr>
       </p:sp>
       <p:sp>
         <p:nvSpPr>
-          <p:cNvPr name="Freeform 9" id="9"/>
+          <p:cNvPr id="9" name="Freeform 9"/>
           <p:cNvSpPr/>
           <p:nvPr/>
         </p:nvSpPr>
         <p:spPr>
-          <a:xfrm flipH="false" flipV="false" rot="0">
+          <a:xfrm>
             <a:off x="4851374" y="8933905"/>
             <a:ext cx="2236261" cy="2236261"/>
           </a:xfrm>
@@ -4408,9 +4353,9 @@
             <a:gdLst/>
             <a:ahLst/>
             <a:cxnLst/>
-            <a:rect r="r" b="b" t="t" l="l"/>
+            <a:rect l="l" t="t" r="r" b="b"/>
             <a:pathLst>
-              <a:path h="2236261" w="2236261">
+              <a:path w="2236261" h="2236261">
                 <a:moveTo>
                   <a:pt x="0" y="0"/>
                 </a:moveTo>
@@ -4439,7 +4384,7 @@
               </a:extLst>
             </a:blip>
             <a:stretch>
-              <a:fillRect l="0" t="0" r="0" b="0"/>
+              <a:fillRect/>
             </a:stretch>
           </a:blipFill>
         </p:spPr>
@@ -4453,13 +4398,14 @@
 </file>
 
 <file path=ppt/slides/slide4.xml><?xml version="1.0" encoding="utf-8"?>
-<p:sld xmlns:p="http://schemas.openxmlformats.org/presentationml/2006/main" xmlns:a="http://schemas.openxmlformats.org/drawingml/2006/main" xmlns:r="http://schemas.openxmlformats.org/officeDocument/2006/relationships">
+<p:sld xmlns:a="http://schemas.openxmlformats.org/drawingml/2006/main" xmlns:r="http://schemas.openxmlformats.org/officeDocument/2006/relationships" xmlns:p="http://schemas.openxmlformats.org/presentationml/2006/main">
   <p:cSld>
     <p:bg>
       <p:bgPr>
         <a:solidFill>
           <a:srgbClr val="E6606B"/>
         </a:solidFill>
+        <a:effectLst/>
       </p:bgPr>
     </p:bg>
     <p:spTree>
@@ -4478,12 +4424,12 @@
       </p:grpSpPr>
       <p:grpSp>
         <p:nvGrpSpPr>
-          <p:cNvPr name="Group 2" id="2"/>
+          <p:cNvPr id="2" name="Group 2"/>
           <p:cNvGrpSpPr/>
           <p:nvPr/>
         </p:nvGrpSpPr>
         <p:grpSpPr>
-          <a:xfrm rot="0">
+          <a:xfrm>
             <a:off x="786228" y="791822"/>
             <a:ext cx="16715543" cy="8703355"/>
             <a:chOff x="0" y="0"/>
@@ -4492,12 +4438,12 @@
         </p:grpSpPr>
         <p:sp>
           <p:nvSpPr>
-            <p:cNvPr name="Freeform 3" id="3"/>
+            <p:cNvPr id="3" name="Freeform 3"/>
             <p:cNvSpPr/>
             <p:nvPr/>
           </p:nvSpPr>
           <p:spPr>
-            <a:xfrm flipH="false" flipV="false" rot="0">
+            <a:xfrm>
               <a:off x="0" y="0"/>
               <a:ext cx="4402448" cy="2292242"/>
             </a:xfrm>
@@ -4506,9 +4452,9 @@
               <a:gdLst/>
               <a:ahLst/>
               <a:cxnLst/>
-              <a:rect r="r" b="b" t="t" l="l"/>
+              <a:rect l="l" t="t" r="r" b="b"/>
               <a:pathLst>
-                <a:path h="2292242" w="4402448">
+                <a:path w="4402448" h="2292242">
                   <a:moveTo>
                     <a:pt x="23621" y="0"/>
                   </a:moveTo>
@@ -4555,8 +4501,8 @@
         </p:sp>
         <p:sp>
           <p:nvSpPr>
-            <p:cNvPr name="TextBox 4" id="4"/>
-            <p:cNvSpPr txBox="true"/>
+            <p:cNvPr id="4" name="TextBox 4"/>
+            <p:cNvSpPr txBox="1"/>
             <p:nvPr/>
           </p:nvSpPr>
           <p:spPr>
@@ -4569,7 +4515,7 @@
             </a:prstGeom>
           </p:spPr>
           <p:txBody>
-            <a:bodyPr anchor="ctr" rtlCol="false" tIns="50800" lIns="50800" bIns="50800" rIns="50800"/>
+            <a:bodyPr lIns="50800" tIns="50800" rIns="50800" bIns="50800" rtlCol="0" anchor="ctr"/>
             <a:lstStyle/>
             <a:p>
               <a:pPr algn="ctr">
@@ -4577,18 +4523,19 @@
                   <a:spcPts val="2241"/>
                 </a:lnSpc>
               </a:pPr>
+              <a:endParaRPr/>
             </a:p>
           </p:txBody>
         </p:sp>
       </p:grpSp>
       <p:grpSp>
         <p:nvGrpSpPr>
-          <p:cNvPr name="Group 5" id="5"/>
+          <p:cNvPr id="5" name="Group 5"/>
           <p:cNvGrpSpPr/>
           <p:nvPr/>
         </p:nvGrpSpPr>
         <p:grpSpPr>
-          <a:xfrm rot="0">
+          <a:xfrm>
             <a:off x="9668175" y="2638477"/>
             <a:ext cx="862188" cy="793114"/>
             <a:chOff x="0" y="0"/>
@@ -4597,12 +4544,12 @@
         </p:grpSpPr>
         <p:sp>
           <p:nvSpPr>
-            <p:cNvPr name="Freeform 6" id="6"/>
+            <p:cNvPr id="6" name="Freeform 6"/>
             <p:cNvSpPr/>
             <p:nvPr/>
           </p:nvSpPr>
           <p:spPr>
-            <a:xfrm flipH="false" flipV="false" rot="0">
+            <a:xfrm>
               <a:off x="0" y="0"/>
               <a:ext cx="718727" cy="661146"/>
             </a:xfrm>
@@ -4611,9 +4558,9 @@
               <a:gdLst/>
               <a:ahLst/>
               <a:cxnLst/>
-              <a:rect r="r" b="b" t="t" l="l"/>
+              <a:rect l="l" t="t" r="r" b="b"/>
               <a:pathLst>
-                <a:path h="661146" w="718727">
+                <a:path w="718727" h="661146">
                   <a:moveTo>
                     <a:pt x="330573" y="0"/>
                   </a:moveTo>
@@ -4665,8 +4612,8 @@
         </p:sp>
         <p:sp>
           <p:nvSpPr>
-            <p:cNvPr name="TextBox 7" id="7"/>
-            <p:cNvSpPr txBox="true"/>
+            <p:cNvPr id="7" name="TextBox 7"/>
+            <p:cNvSpPr txBox="1"/>
             <p:nvPr/>
           </p:nvSpPr>
           <p:spPr>
@@ -4679,10 +4626,10 @@
             </a:prstGeom>
           </p:spPr>
           <p:txBody>
-            <a:bodyPr anchor="ctr" rtlCol="false" tIns="50800" lIns="50800" bIns="50800" rIns="50800"/>
+            <a:bodyPr lIns="50800" tIns="50800" rIns="50800" bIns="50800" rtlCol="0" anchor="ctr"/>
             <a:lstStyle/>
             <a:p>
-              <a:pPr algn="ctr" marL="0" indent="0" lvl="0">
+              <a:pPr marL="0" lvl="0" indent="0" algn="ctr">
                 <a:lnSpc>
                   <a:spcPts val="4899"/>
                 </a:lnSpc>
@@ -4705,12 +4652,12 @@
       </p:grpSp>
       <p:grpSp>
         <p:nvGrpSpPr>
-          <p:cNvPr name="Group 8" id="8"/>
+          <p:cNvPr id="8" name="Group 8"/>
           <p:cNvGrpSpPr/>
           <p:nvPr/>
         </p:nvGrpSpPr>
         <p:grpSpPr>
-          <a:xfrm rot="0">
+          <a:xfrm>
             <a:off x="9668175" y="3785457"/>
             <a:ext cx="862188" cy="793114"/>
             <a:chOff x="0" y="0"/>
@@ -4719,12 +4666,12 @@
         </p:grpSpPr>
         <p:sp>
           <p:nvSpPr>
-            <p:cNvPr name="Freeform 9" id="9"/>
+            <p:cNvPr id="9" name="Freeform 9"/>
             <p:cNvSpPr/>
             <p:nvPr/>
           </p:nvSpPr>
           <p:spPr>
-            <a:xfrm flipH="false" flipV="false" rot="0">
+            <a:xfrm>
               <a:off x="0" y="0"/>
               <a:ext cx="718727" cy="661146"/>
             </a:xfrm>
@@ -4733,9 +4680,9 @@
               <a:gdLst/>
               <a:ahLst/>
               <a:cxnLst/>
-              <a:rect r="r" b="b" t="t" l="l"/>
+              <a:rect l="l" t="t" r="r" b="b"/>
               <a:pathLst>
-                <a:path h="661146" w="718727">
+                <a:path w="718727" h="661146">
                   <a:moveTo>
                     <a:pt x="330573" y="0"/>
                   </a:moveTo>
@@ -4787,8 +4734,8 @@
         </p:sp>
         <p:sp>
           <p:nvSpPr>
-            <p:cNvPr name="TextBox 10" id="10"/>
-            <p:cNvSpPr txBox="true"/>
+            <p:cNvPr id="10" name="TextBox 10"/>
+            <p:cNvSpPr txBox="1"/>
             <p:nvPr/>
           </p:nvSpPr>
           <p:spPr>
@@ -4801,10 +4748,10 @@
             </a:prstGeom>
           </p:spPr>
           <p:txBody>
-            <a:bodyPr anchor="ctr" rtlCol="false" tIns="50800" lIns="50800" bIns="50800" rIns="50800"/>
+            <a:bodyPr lIns="50800" tIns="50800" rIns="50800" bIns="50800" rtlCol="0" anchor="ctr"/>
             <a:lstStyle/>
             <a:p>
-              <a:pPr algn="ctr" marL="0" indent="0" lvl="0">
+              <a:pPr marL="0" lvl="0" indent="0" algn="ctr">
                 <a:lnSpc>
                   <a:spcPts val="4899"/>
                 </a:lnSpc>
@@ -4827,12 +4774,12 @@
       </p:grpSp>
       <p:grpSp>
         <p:nvGrpSpPr>
-          <p:cNvPr name="Group 11" id="11"/>
+          <p:cNvPr id="11" name="Group 11"/>
           <p:cNvGrpSpPr/>
           <p:nvPr/>
         </p:nvGrpSpPr>
         <p:grpSpPr>
-          <a:xfrm rot="0">
+          <a:xfrm>
             <a:off x="9668175" y="4932437"/>
             <a:ext cx="862188" cy="793114"/>
             <a:chOff x="0" y="0"/>
@@ -4841,12 +4788,12 @@
         </p:grpSpPr>
         <p:sp>
           <p:nvSpPr>
-            <p:cNvPr name="Freeform 12" id="12"/>
+            <p:cNvPr id="12" name="Freeform 12"/>
             <p:cNvSpPr/>
             <p:nvPr/>
           </p:nvSpPr>
           <p:spPr>
-            <a:xfrm flipH="false" flipV="false" rot="0">
+            <a:xfrm>
               <a:off x="0" y="0"/>
               <a:ext cx="718727" cy="661146"/>
             </a:xfrm>
@@ -4855,9 +4802,9 @@
               <a:gdLst/>
               <a:ahLst/>
               <a:cxnLst/>
-              <a:rect r="r" b="b" t="t" l="l"/>
+              <a:rect l="l" t="t" r="r" b="b"/>
               <a:pathLst>
-                <a:path h="661146" w="718727">
+                <a:path w="718727" h="661146">
                   <a:moveTo>
                     <a:pt x="330573" y="0"/>
                   </a:moveTo>
@@ -4909,8 +4856,8 @@
         </p:sp>
         <p:sp>
           <p:nvSpPr>
-            <p:cNvPr name="TextBox 13" id="13"/>
-            <p:cNvSpPr txBox="true"/>
+            <p:cNvPr id="13" name="TextBox 13"/>
+            <p:cNvSpPr txBox="1"/>
             <p:nvPr/>
           </p:nvSpPr>
           <p:spPr>
@@ -4923,10 +4870,10 @@
             </a:prstGeom>
           </p:spPr>
           <p:txBody>
-            <a:bodyPr anchor="ctr" rtlCol="false" tIns="50800" lIns="50800" bIns="50800" rIns="50800"/>
+            <a:bodyPr lIns="50800" tIns="50800" rIns="50800" bIns="50800" rtlCol="0" anchor="ctr"/>
             <a:lstStyle/>
             <a:p>
-              <a:pPr algn="ctr" marL="0" indent="0" lvl="0">
+              <a:pPr marL="0" lvl="0" indent="0" algn="ctr">
                 <a:lnSpc>
                   <a:spcPts val="4899"/>
                 </a:lnSpc>
@@ -4949,12 +4896,12 @@
       </p:grpSp>
       <p:grpSp>
         <p:nvGrpSpPr>
-          <p:cNvPr name="Group 14" id="14"/>
+          <p:cNvPr id="14" name="Group 14"/>
           <p:cNvGrpSpPr/>
           <p:nvPr/>
         </p:nvGrpSpPr>
         <p:grpSpPr>
-          <a:xfrm rot="0">
+          <a:xfrm>
             <a:off x="9668175" y="6079417"/>
             <a:ext cx="862188" cy="793114"/>
             <a:chOff x="0" y="0"/>
@@ -4963,12 +4910,12 @@
         </p:grpSpPr>
         <p:sp>
           <p:nvSpPr>
-            <p:cNvPr name="Freeform 15" id="15"/>
+            <p:cNvPr id="15" name="Freeform 15"/>
             <p:cNvSpPr/>
             <p:nvPr/>
           </p:nvSpPr>
           <p:spPr>
-            <a:xfrm flipH="false" flipV="false" rot="0">
+            <a:xfrm>
               <a:off x="0" y="0"/>
               <a:ext cx="718727" cy="661146"/>
             </a:xfrm>
@@ -4977,9 +4924,9 @@
               <a:gdLst/>
               <a:ahLst/>
               <a:cxnLst/>
-              <a:rect r="r" b="b" t="t" l="l"/>
+              <a:rect l="l" t="t" r="r" b="b"/>
               <a:pathLst>
-                <a:path h="661146" w="718727">
+                <a:path w="718727" h="661146">
                   <a:moveTo>
                     <a:pt x="330573" y="0"/>
                   </a:moveTo>
@@ -5031,8 +4978,8 @@
         </p:sp>
         <p:sp>
           <p:nvSpPr>
-            <p:cNvPr name="TextBox 16" id="16"/>
-            <p:cNvSpPr txBox="true"/>
+            <p:cNvPr id="16" name="TextBox 16"/>
+            <p:cNvSpPr txBox="1"/>
             <p:nvPr/>
           </p:nvSpPr>
           <p:spPr>
@@ -5045,10 +4992,10 @@
             </a:prstGeom>
           </p:spPr>
           <p:txBody>
-            <a:bodyPr anchor="ctr" rtlCol="false" tIns="50800" lIns="50800" bIns="50800" rIns="50800"/>
+            <a:bodyPr lIns="50800" tIns="50800" rIns="50800" bIns="50800" rtlCol="0" anchor="ctr"/>
             <a:lstStyle/>
             <a:p>
-              <a:pPr algn="ctr" marL="0" indent="0" lvl="0">
+              <a:pPr marL="0" lvl="0" indent="0" algn="ctr">
                 <a:lnSpc>
                   <a:spcPts val="4899"/>
                 </a:lnSpc>
@@ -5071,12 +5018,12 @@
       </p:grpSp>
       <p:grpSp>
         <p:nvGrpSpPr>
-          <p:cNvPr name="Group 17" id="17"/>
+          <p:cNvPr id="17" name="Group 17"/>
           <p:cNvGrpSpPr/>
           <p:nvPr/>
         </p:nvGrpSpPr>
         <p:grpSpPr>
-          <a:xfrm rot="0">
+          <a:xfrm>
             <a:off x="9668175" y="7226397"/>
             <a:ext cx="862188" cy="793114"/>
             <a:chOff x="0" y="0"/>
@@ -5085,12 +5032,12 @@
         </p:grpSpPr>
         <p:sp>
           <p:nvSpPr>
-            <p:cNvPr name="Freeform 18" id="18"/>
+            <p:cNvPr id="18" name="Freeform 18"/>
             <p:cNvSpPr/>
             <p:nvPr/>
           </p:nvSpPr>
           <p:spPr>
-            <a:xfrm flipH="false" flipV="false" rot="0">
+            <a:xfrm>
               <a:off x="0" y="0"/>
               <a:ext cx="718727" cy="661146"/>
             </a:xfrm>
@@ -5099,9 +5046,9 @@
               <a:gdLst/>
               <a:ahLst/>
               <a:cxnLst/>
-              <a:rect r="r" b="b" t="t" l="l"/>
+              <a:rect l="l" t="t" r="r" b="b"/>
               <a:pathLst>
-                <a:path h="661146" w="718727">
+                <a:path w="718727" h="661146">
                   <a:moveTo>
                     <a:pt x="330573" y="0"/>
                   </a:moveTo>
@@ -5153,8 +5100,8 @@
         </p:sp>
         <p:sp>
           <p:nvSpPr>
-            <p:cNvPr name="TextBox 19" id="19"/>
-            <p:cNvSpPr txBox="true"/>
+            <p:cNvPr id="19" name="TextBox 19"/>
+            <p:cNvSpPr txBox="1"/>
             <p:nvPr/>
           </p:nvSpPr>
           <p:spPr>
@@ -5167,10 +5114,10 @@
             </a:prstGeom>
           </p:spPr>
           <p:txBody>
-            <a:bodyPr anchor="ctr" rtlCol="false" tIns="50800" lIns="50800" bIns="50800" rIns="50800"/>
+            <a:bodyPr lIns="50800" tIns="50800" rIns="50800" bIns="50800" rtlCol="0" anchor="ctr"/>
             <a:lstStyle/>
             <a:p>
-              <a:pPr algn="ctr" marL="0" indent="0" lvl="0">
+              <a:pPr marL="0" lvl="0" indent="0" algn="ctr">
                 <a:lnSpc>
                   <a:spcPts val="4899"/>
                 </a:lnSpc>
@@ -5193,12 +5140,12 @@
       </p:grpSp>
       <p:grpSp>
         <p:nvGrpSpPr>
-          <p:cNvPr name="Group 20" id="20"/>
+          <p:cNvPr id="20" name="Group 20"/>
           <p:cNvGrpSpPr/>
           <p:nvPr/>
         </p:nvGrpSpPr>
         <p:grpSpPr>
-          <a:xfrm rot="0">
+          <a:xfrm>
             <a:off x="9668175" y="8373377"/>
             <a:ext cx="862188" cy="793114"/>
             <a:chOff x="0" y="0"/>
@@ -5207,12 +5154,12 @@
         </p:grpSpPr>
         <p:sp>
           <p:nvSpPr>
-            <p:cNvPr name="Freeform 21" id="21"/>
+            <p:cNvPr id="21" name="Freeform 21"/>
             <p:cNvSpPr/>
             <p:nvPr/>
           </p:nvSpPr>
           <p:spPr>
-            <a:xfrm flipH="false" flipV="false" rot="0">
+            <a:xfrm>
               <a:off x="0" y="0"/>
               <a:ext cx="718727" cy="661146"/>
             </a:xfrm>
@@ -5221,9 +5168,9 @@
               <a:gdLst/>
               <a:ahLst/>
               <a:cxnLst/>
-              <a:rect r="r" b="b" t="t" l="l"/>
+              <a:rect l="l" t="t" r="r" b="b"/>
               <a:pathLst>
-                <a:path h="661146" w="718727">
+                <a:path w="718727" h="661146">
                   <a:moveTo>
                     <a:pt x="330573" y="0"/>
                   </a:moveTo>
@@ -5270,8 +5217,8 @@
         </p:sp>
         <p:sp>
           <p:nvSpPr>
-            <p:cNvPr name="TextBox 22" id="22"/>
-            <p:cNvSpPr txBox="true"/>
+            <p:cNvPr id="22" name="TextBox 22"/>
+            <p:cNvSpPr txBox="1"/>
             <p:nvPr/>
           </p:nvSpPr>
           <p:spPr>
@@ -5284,7 +5231,7 @@
             </a:prstGeom>
           </p:spPr>
           <p:txBody>
-            <a:bodyPr anchor="ctr" rtlCol="false" tIns="50800" lIns="50800" bIns="50800" rIns="50800"/>
+            <a:bodyPr lIns="50800" tIns="50800" rIns="50800" bIns="50800" rtlCol="0" anchor="ctr"/>
             <a:lstStyle/>
             <a:p>
               <a:pPr algn="ctr">
@@ -5307,12 +5254,12 @@
       </p:grpSp>
       <p:sp>
         <p:nvSpPr>
-          <p:cNvPr name="Freeform 23" id="23"/>
+          <p:cNvPr id="23" name="Freeform 23"/>
           <p:cNvSpPr/>
           <p:nvPr/>
         </p:nvSpPr>
         <p:spPr>
-          <a:xfrm flipH="false" flipV="false" rot="0">
+          <a:xfrm>
             <a:off x="-230545" y="356128"/>
             <a:ext cx="9374545" cy="7584859"/>
           </a:xfrm>
@@ -5321,9 +5268,9 @@
             <a:gdLst/>
             <a:ahLst/>
             <a:cxnLst/>
-            <a:rect r="r" b="b" t="t" l="l"/>
+            <a:rect l="l" t="t" r="r" b="b"/>
             <a:pathLst>
-              <a:path h="7584859" w="9374545">
+              <a:path w="9374545" h="7584859">
                 <a:moveTo>
                   <a:pt x="0" y="0"/>
                 </a:moveTo>
@@ -5352,19 +5299,19 @@
               </a:extLst>
             </a:blip>
             <a:stretch>
-              <a:fillRect l="0" t="0" r="0" b="0"/>
+              <a:fillRect/>
             </a:stretch>
           </a:blipFill>
         </p:spPr>
       </p:sp>
       <p:sp>
         <p:nvSpPr>
-          <p:cNvPr name="TextBox 24" id="24"/>
-          <p:cNvSpPr txBox="true"/>
+          <p:cNvPr id="24" name="TextBox 24"/>
+          <p:cNvSpPr txBox="1"/>
           <p:nvPr/>
         </p:nvSpPr>
         <p:spPr>
-          <a:xfrm rot="0">
+          <a:xfrm>
             <a:off x="9668175" y="1095427"/>
             <a:ext cx="7030824" cy="1190625"/>
           </a:xfrm>
@@ -5373,7 +5320,7 @@
           </a:prstGeom>
         </p:spPr>
         <p:txBody>
-          <a:bodyPr anchor="t" rtlCol="false" tIns="0" lIns="0" bIns="0" rIns="0">
+          <a:bodyPr lIns="0" tIns="0" rIns="0" bIns="0" rtlCol="0" anchor="t">
             <a:spAutoFit/>
           </a:bodyPr>
           <a:lstStyle/>
@@ -5397,12 +5344,12 @@
       </p:sp>
       <p:sp>
         <p:nvSpPr>
-          <p:cNvPr name="TextBox 25" id="25"/>
-          <p:cNvSpPr txBox="true"/>
+          <p:cNvPr id="25" name="TextBox 25"/>
+          <p:cNvSpPr txBox="1"/>
           <p:nvPr/>
         </p:nvSpPr>
         <p:spPr>
-          <a:xfrm rot="0">
+          <a:xfrm>
             <a:off x="10768488" y="2682609"/>
             <a:ext cx="6733284" cy="581025"/>
           </a:xfrm>
@@ -5411,7 +5358,7 @@
           </a:prstGeom>
         </p:spPr>
         <p:txBody>
-          <a:bodyPr anchor="t" rtlCol="false" tIns="0" lIns="0" bIns="0" rIns="0">
+          <a:bodyPr lIns="0" tIns="0" rIns="0" bIns="0" rtlCol="0" anchor="t">
             <a:spAutoFit/>
           </a:bodyPr>
           <a:lstStyle/>
@@ -5435,12 +5382,12 @@
       </p:sp>
       <p:sp>
         <p:nvSpPr>
-          <p:cNvPr name="TextBox 26" id="26"/>
-          <p:cNvSpPr txBox="true"/>
+          <p:cNvPr id="26" name="TextBox 26"/>
+          <p:cNvSpPr txBox="1"/>
           <p:nvPr/>
         </p:nvSpPr>
         <p:spPr>
-          <a:xfrm rot="0">
+          <a:xfrm>
             <a:off x="10768488" y="3829589"/>
             <a:ext cx="6205062" cy="581025"/>
           </a:xfrm>
@@ -5449,7 +5396,7 @@
           </a:prstGeom>
         </p:spPr>
         <p:txBody>
-          <a:bodyPr anchor="t" rtlCol="false" tIns="0" lIns="0" bIns="0" rIns="0">
+          <a:bodyPr lIns="0" tIns="0" rIns="0" bIns="0" rtlCol="0" anchor="t">
             <a:spAutoFit/>
           </a:bodyPr>
           <a:lstStyle/>
@@ -5473,12 +5420,12 @@
       </p:sp>
       <p:sp>
         <p:nvSpPr>
-          <p:cNvPr name="TextBox 27" id="27"/>
-          <p:cNvSpPr txBox="true"/>
+          <p:cNvPr id="27" name="TextBox 27"/>
+          <p:cNvSpPr txBox="1"/>
           <p:nvPr/>
         </p:nvSpPr>
         <p:spPr>
-          <a:xfrm rot="0">
+          <a:xfrm>
             <a:off x="10768488" y="4976569"/>
             <a:ext cx="6205062" cy="581025"/>
           </a:xfrm>
@@ -5487,7 +5434,7 @@
           </a:prstGeom>
         </p:spPr>
         <p:txBody>
-          <a:bodyPr anchor="t" rtlCol="false" tIns="0" lIns="0" bIns="0" rIns="0">
+          <a:bodyPr lIns="0" tIns="0" rIns="0" bIns="0" rtlCol="0" anchor="t">
             <a:spAutoFit/>
           </a:bodyPr>
           <a:lstStyle/>
@@ -5511,12 +5458,12 @@
       </p:sp>
       <p:sp>
         <p:nvSpPr>
-          <p:cNvPr name="TextBox 28" id="28"/>
-          <p:cNvSpPr txBox="true"/>
+          <p:cNvPr id="28" name="TextBox 28"/>
+          <p:cNvSpPr txBox="1"/>
           <p:nvPr/>
         </p:nvSpPr>
         <p:spPr>
-          <a:xfrm rot="0">
+          <a:xfrm>
             <a:off x="10768488" y="6123549"/>
             <a:ext cx="6733284" cy="581025"/>
           </a:xfrm>
@@ -5525,7 +5472,7 @@
           </a:prstGeom>
         </p:spPr>
         <p:txBody>
-          <a:bodyPr anchor="t" rtlCol="false" tIns="0" lIns="0" bIns="0" rIns="0">
+          <a:bodyPr lIns="0" tIns="0" rIns="0" bIns="0" rtlCol="0" anchor="t">
             <a:spAutoFit/>
           </a:bodyPr>
           <a:lstStyle/>
@@ -5549,12 +5496,12 @@
       </p:sp>
       <p:sp>
         <p:nvSpPr>
-          <p:cNvPr name="TextBox 29" id="29"/>
-          <p:cNvSpPr txBox="true"/>
+          <p:cNvPr id="29" name="TextBox 29"/>
+          <p:cNvSpPr txBox="1"/>
           <p:nvPr/>
         </p:nvSpPr>
         <p:spPr>
-          <a:xfrm rot="0">
+          <a:xfrm>
             <a:off x="10768488" y="7270529"/>
             <a:ext cx="6205062" cy="581025"/>
           </a:xfrm>
@@ -5563,7 +5510,7 @@
           </a:prstGeom>
         </p:spPr>
         <p:txBody>
-          <a:bodyPr anchor="t" rtlCol="false" tIns="0" lIns="0" bIns="0" rIns="0">
+          <a:bodyPr lIns="0" tIns="0" rIns="0" bIns="0" rtlCol="0" anchor="t">
             <a:spAutoFit/>
           </a:bodyPr>
           <a:lstStyle/>
@@ -5587,12 +5534,12 @@
       </p:sp>
       <p:sp>
         <p:nvSpPr>
-          <p:cNvPr name="TextBox 30" id="30"/>
-          <p:cNvSpPr txBox="true"/>
+          <p:cNvPr id="30" name="TextBox 30"/>
+          <p:cNvSpPr txBox="1"/>
           <p:nvPr/>
         </p:nvSpPr>
         <p:spPr>
-          <a:xfrm rot="0">
+          <a:xfrm>
             <a:off x="10768488" y="8145781"/>
             <a:ext cx="6205062" cy="1190625"/>
           </a:xfrm>
@@ -5601,7 +5548,7 @@
           </a:prstGeom>
         </p:spPr>
         <p:txBody>
-          <a:bodyPr anchor="t" rtlCol="false" tIns="0" lIns="0" bIns="0" rIns="0">
+          <a:bodyPr lIns="0" tIns="0" rIns="0" bIns="0" rtlCol="0" anchor="t">
             <a:spAutoFit/>
           </a:bodyPr>
           <a:lstStyle/>
@@ -5625,12 +5572,12 @@
       </p:sp>
       <p:sp>
         <p:nvSpPr>
-          <p:cNvPr name="TextBox 31" id="31"/>
-          <p:cNvSpPr txBox="true"/>
+          <p:cNvPr id="31" name="TextBox 31"/>
+          <p:cNvSpPr txBox="1"/>
           <p:nvPr/>
         </p:nvSpPr>
         <p:spPr>
-          <a:xfrm rot="0">
+          <a:xfrm>
             <a:off x="1534778" y="8100061"/>
             <a:ext cx="7609222" cy="1158239"/>
           </a:xfrm>
@@ -5639,7 +5586,7 @@
           </a:prstGeom>
         </p:spPr>
         <p:txBody>
-          <a:bodyPr anchor="t" rtlCol="false" tIns="0" lIns="0" bIns="0" rIns="0">
+          <a:bodyPr lIns="0" tIns="0" rIns="0" bIns="0" rtlCol="0" anchor="t">
             <a:spAutoFit/>
           </a:bodyPr>
           <a:lstStyle/>
@@ -5666,12 +5613,12 @@
       </p:sp>
       <p:sp>
         <p:nvSpPr>
-          <p:cNvPr name="Freeform 32" id="32"/>
+          <p:cNvPr id="32" name="Freeform 32"/>
           <p:cNvSpPr/>
           <p:nvPr/>
         </p:nvSpPr>
         <p:spPr>
-          <a:xfrm flipH="false" flipV="false" rot="1338289">
+          <a:xfrm rot="1338289">
             <a:off x="16313032" y="7134425"/>
             <a:ext cx="5941161" cy="4536887"/>
           </a:xfrm>
@@ -5680,9 +5627,9 @@
             <a:gdLst/>
             <a:ahLst/>
             <a:cxnLst/>
-            <a:rect r="r" b="b" t="t" l="l"/>
+            <a:rect l="l" t="t" r="r" b="b"/>
             <a:pathLst>
-              <a:path h="4536887" w="5941161">
+              <a:path w="5941161" h="4536887">
                 <a:moveTo>
                   <a:pt x="0" y="0"/>
                 </a:moveTo>
@@ -5711,7 +5658,7 @@
               </a:extLst>
             </a:blip>
             <a:stretch>
-              <a:fillRect l="0" t="0" r="0" b="0"/>
+              <a:fillRect/>
             </a:stretch>
           </a:blipFill>
         </p:spPr>
@@ -5725,13 +5672,14 @@
 </file>
 
 <file path=ppt/slides/slide5.xml><?xml version="1.0" encoding="utf-8"?>
-<p:sld xmlns:p="http://schemas.openxmlformats.org/presentationml/2006/main" xmlns:a="http://schemas.openxmlformats.org/drawingml/2006/main" xmlns:r="http://schemas.openxmlformats.org/officeDocument/2006/relationships">
+<p:sld xmlns:a="http://schemas.openxmlformats.org/drawingml/2006/main" xmlns:r="http://schemas.openxmlformats.org/officeDocument/2006/relationships" xmlns:p="http://schemas.openxmlformats.org/presentationml/2006/main">
   <p:cSld>
     <p:bg>
       <p:bgPr>
         <a:solidFill>
           <a:srgbClr val="E6606B"/>
         </a:solidFill>
+        <a:effectLst/>
       </p:bgPr>
     </p:bg>
     <p:spTree>
@@ -5750,12 +5698,12 @@
       </p:grpSpPr>
       <p:sp>
         <p:nvSpPr>
-          <p:cNvPr name="Freeform 2" id="2"/>
+          <p:cNvPr id="2" name="Freeform 2"/>
           <p:cNvSpPr/>
           <p:nvPr/>
         </p:nvSpPr>
         <p:spPr>
-          <a:xfrm flipH="true" flipV="false" rot="10052028">
+          <a:xfrm rot="10052028" flipH="1">
             <a:off x="-2203776" y="-1799690"/>
             <a:ext cx="6464951" cy="4936872"/>
           </a:xfrm>
@@ -5764,9 +5712,9 @@
             <a:gdLst/>
             <a:ahLst/>
             <a:cxnLst/>
-            <a:rect r="r" b="b" t="t" l="l"/>
+            <a:rect l="l" t="t" r="r" b="b"/>
             <a:pathLst>
-              <a:path h="4936872" w="6464951">
+              <a:path w="6464951" h="4936872">
                 <a:moveTo>
                   <a:pt x="6464952" y="0"/>
                 </a:moveTo>
@@ -5795,19 +5743,19 @@
               </a:extLst>
             </a:blip>
             <a:stretch>
-              <a:fillRect l="0" t="0" r="0" b="0"/>
+              <a:fillRect/>
             </a:stretch>
           </a:blipFill>
         </p:spPr>
       </p:sp>
       <p:grpSp>
         <p:nvGrpSpPr>
-          <p:cNvPr name="Group 3" id="3"/>
+          <p:cNvPr id="3" name="Group 3"/>
           <p:cNvGrpSpPr/>
           <p:nvPr/>
         </p:nvGrpSpPr>
         <p:grpSpPr>
-          <a:xfrm rot="0">
+          <a:xfrm>
             <a:off x="632598" y="668746"/>
             <a:ext cx="17022805" cy="4474754"/>
             <a:chOff x="0" y="0"/>
@@ -5816,12 +5764,12 @@
         </p:grpSpPr>
         <p:sp>
           <p:nvSpPr>
-            <p:cNvPr name="Freeform 4" id="4"/>
+            <p:cNvPr id="4" name="Freeform 4"/>
             <p:cNvSpPr/>
             <p:nvPr/>
           </p:nvSpPr>
           <p:spPr>
-            <a:xfrm flipH="false" flipV="false" rot="0">
+            <a:xfrm>
               <a:off x="0" y="0"/>
               <a:ext cx="4483372" cy="1178536"/>
             </a:xfrm>
@@ -5830,9 +5778,9 @@
               <a:gdLst/>
               <a:ahLst/>
               <a:cxnLst/>
-              <a:rect r="r" b="b" t="t" l="l"/>
+              <a:rect l="l" t="t" r="r" b="b"/>
               <a:pathLst>
-                <a:path h="1178536" w="4483372">
+                <a:path w="4483372" h="1178536">
                   <a:moveTo>
                     <a:pt x="23195" y="0"/>
                   </a:moveTo>
@@ -5879,8 +5827,8 @@
         </p:sp>
         <p:sp>
           <p:nvSpPr>
-            <p:cNvPr name="TextBox 5" id="5"/>
-            <p:cNvSpPr txBox="true"/>
+            <p:cNvPr id="5" name="TextBox 5"/>
+            <p:cNvSpPr txBox="1"/>
             <p:nvPr/>
           </p:nvSpPr>
           <p:spPr>
@@ -5893,7 +5841,7 @@
             </a:prstGeom>
           </p:spPr>
           <p:txBody>
-            <a:bodyPr anchor="ctr" rtlCol="false" tIns="50800" lIns="50800" bIns="50800" rIns="50800"/>
+            <a:bodyPr lIns="50800" tIns="50800" rIns="50800" bIns="50800" rtlCol="0" anchor="ctr"/>
             <a:lstStyle/>
             <a:p>
               <a:pPr algn="ctr">
@@ -5901,18 +5849,19 @@
                   <a:spcPts val="2241"/>
                 </a:lnSpc>
               </a:pPr>
+              <a:endParaRPr/>
             </a:p>
           </p:txBody>
         </p:sp>
       </p:grpSp>
       <p:sp>
         <p:nvSpPr>
-          <p:cNvPr name="Freeform 6" id="6"/>
+          <p:cNvPr id="6" name="Freeform 6"/>
           <p:cNvSpPr/>
           <p:nvPr/>
         </p:nvSpPr>
         <p:spPr>
-          <a:xfrm flipH="false" flipV="false" rot="0">
+          <a:xfrm>
             <a:off x="8241744" y="1467915"/>
             <a:ext cx="10261786" cy="7351171"/>
           </a:xfrm>
@@ -5921,9 +5870,9 @@
             <a:gdLst/>
             <a:ahLst/>
             <a:cxnLst/>
-            <a:rect r="r" b="b" t="t" l="l"/>
+            <a:rect l="l" t="t" r="r" b="b"/>
             <a:pathLst>
-              <a:path h="7351171" w="10261786">
+              <a:path w="10261786" h="7351171">
                 <a:moveTo>
                   <a:pt x="0" y="0"/>
                 </a:moveTo>
@@ -5952,19 +5901,19 @@
               </a:extLst>
             </a:blip>
             <a:stretch>
-              <a:fillRect l="0" t="0" r="0" b="0"/>
+              <a:fillRect/>
             </a:stretch>
           </a:blipFill>
         </p:spPr>
       </p:sp>
       <p:sp>
         <p:nvSpPr>
-          <p:cNvPr name="TextBox 7" id="7"/>
-          <p:cNvSpPr txBox="true"/>
+          <p:cNvPr id="7" name="TextBox 7"/>
+          <p:cNvSpPr txBox="1"/>
           <p:nvPr/>
         </p:nvSpPr>
         <p:spPr>
-          <a:xfrm rot="0">
+          <a:xfrm>
             <a:off x="1724557" y="1579436"/>
             <a:ext cx="6235559" cy="3063727"/>
           </a:xfrm>
@@ -5973,7 +5922,7 @@
           </a:prstGeom>
         </p:spPr>
         <p:txBody>
-          <a:bodyPr anchor="t" rtlCol="false" tIns="0" lIns="0" bIns="0" rIns="0">
+          <a:bodyPr lIns="0" tIns="0" rIns="0" bIns="0" rtlCol="0" anchor="t">
             <a:spAutoFit/>
           </a:bodyPr>
           <a:lstStyle/>
@@ -6013,12 +5962,12 @@
       </p:sp>
       <p:sp>
         <p:nvSpPr>
-          <p:cNvPr name="Freeform 8" id="8"/>
+          <p:cNvPr id="8" name="Freeform 8"/>
           <p:cNvSpPr/>
           <p:nvPr/>
         </p:nvSpPr>
         <p:spPr>
-          <a:xfrm flipH="false" flipV="false" rot="0">
+          <a:xfrm>
             <a:off x="11136376" y="9305060"/>
             <a:ext cx="2236261" cy="2236261"/>
           </a:xfrm>
@@ -6027,9 +5976,9 @@
             <a:gdLst/>
             <a:ahLst/>
             <a:cxnLst/>
-            <a:rect r="r" b="b" t="t" l="l"/>
+            <a:rect l="l" t="t" r="r" b="b"/>
             <a:pathLst>
-              <a:path h="2236261" w="2236261">
+              <a:path w="2236261" h="2236261">
                 <a:moveTo>
                   <a:pt x="0" y="0"/>
                 </a:moveTo>
@@ -6058,19 +6007,19 @@
               </a:extLst>
             </a:blip>
             <a:stretch>
-              <a:fillRect l="0" t="0" r="0" b="0"/>
+              <a:fillRect/>
             </a:stretch>
           </a:blipFill>
         </p:spPr>
       </p:sp>
       <p:sp>
         <p:nvSpPr>
-          <p:cNvPr name="Freeform 9" id="9"/>
+          <p:cNvPr id="9" name="Freeform 9"/>
           <p:cNvSpPr/>
           <p:nvPr/>
         </p:nvSpPr>
         <p:spPr>
-          <a:xfrm flipH="false" flipV="false" rot="0">
+          <a:xfrm>
             <a:off x="16391031" y="-1207561"/>
             <a:ext cx="2236261" cy="2236261"/>
           </a:xfrm>
@@ -6079,9 +6028,9 @@
             <a:gdLst/>
             <a:ahLst/>
             <a:cxnLst/>
-            <a:rect r="r" b="b" t="t" l="l"/>
+            <a:rect l="l" t="t" r="r" b="b"/>
             <a:pathLst>
-              <a:path h="2236261" w="2236261">
+              <a:path w="2236261" h="2236261">
                 <a:moveTo>
                   <a:pt x="0" y="0"/>
                 </a:moveTo>
@@ -6110,7 +6059,7 @@
               </a:extLst>
             </a:blip>
             <a:stretch>
-              <a:fillRect l="0" t="0" r="0" b="0"/>
+              <a:fillRect/>
             </a:stretch>
           </a:blipFill>
         </p:spPr>
